--- a/presentation/Zahlungssysteme.pptx
+++ b/presentation/Zahlungssysteme.pptx
@@ -118,6 +118,11 @@
       </a:defRPr>
     </a:lvl9pPr>
   </p:defaultTextStyle>
+  <p:extLst>
+    <p:ext uri="{EFAFB233-063F-42B5-8137-9DF3F51BA10A}">
+      <p15:sldGuideLst xmlns:p15="http://schemas.microsoft.com/office/powerpoint/2012/main"/>
+    </p:ext>
+  </p:extLst>
 </p:presentation>
 </file>
 
@@ -1736,7 +1741,7 @@
             <a:fld id="{87DE6118-2437-4B30-8E3C-4D2BE6020583}" type="datetimeFigureOut">
               <a:rPr lang="en-US" dirty="0"/>
               <a:pPr/>
-              <a:t>11/19/2017</a:t>
+              <a:t>11/20/2017</a:t>
             </a:fld>
             <a:endParaRPr lang="en-US" dirty="0"/>
           </a:p>
@@ -2062,7 +2067,7 @@
           <a:p>
             <a:fld id="{87DE6118-2437-4B30-8E3C-4D2BE6020583}" type="datetimeFigureOut">
               <a:rPr lang="en-US" dirty="0"/>
-              <a:t>11/19/2017</a:t>
+              <a:t>11/20/2017</a:t>
             </a:fld>
             <a:endParaRPr lang="en-US" dirty="0"/>
           </a:p>
@@ -2237,7 +2242,7 @@
           <a:p>
             <a:fld id="{87DE6118-2437-4B30-8E3C-4D2BE6020583}" type="datetimeFigureOut">
               <a:rPr lang="en-US" dirty="0"/>
-              <a:t>11/19/2017</a:t>
+              <a:t>11/20/2017</a:t>
             </a:fld>
             <a:endParaRPr lang="en-US" dirty="0"/>
           </a:p>
@@ -2402,7 +2407,7 @@
           <a:p>
             <a:fld id="{87DE6118-2437-4B30-8E3C-4D2BE6020583}" type="datetimeFigureOut">
               <a:rPr lang="en-US" dirty="0"/>
-              <a:t>11/19/2017</a:t>
+              <a:t>11/20/2017</a:t>
             </a:fld>
             <a:endParaRPr lang="en-US" dirty="0"/>
           </a:p>
@@ -2675,7 +2680,7 @@
             <a:fld id="{87DE6118-2437-4B30-8E3C-4D2BE6020583}" type="datetimeFigureOut">
               <a:rPr lang="en-US" dirty="0"/>
               <a:pPr/>
-              <a:t>11/19/2017</a:t>
+              <a:t>11/20/2017</a:t>
             </a:fld>
             <a:endParaRPr lang="en-US" dirty="0"/>
           </a:p>
@@ -3065,7 +3070,7 @@
           <a:p>
             <a:fld id="{87DE6118-2437-4B30-8E3C-4D2BE6020583}" type="datetimeFigureOut">
               <a:rPr lang="en-US" dirty="0"/>
-              <a:t>11/19/2017</a:t>
+              <a:t>11/20/2017</a:t>
             </a:fld>
             <a:endParaRPr lang="en-US" dirty="0"/>
           </a:p>
@@ -3537,7 +3542,7 @@
           <a:p>
             <a:fld id="{87DE6118-2437-4B30-8E3C-4D2BE6020583}" type="datetimeFigureOut">
               <a:rPr lang="en-US" dirty="0"/>
-              <a:t>11/19/2017</a:t>
+              <a:t>11/20/2017</a:t>
             </a:fld>
             <a:endParaRPr lang="en-US" dirty="0"/>
           </a:p>
@@ -3650,7 +3655,7 @@
           <a:p>
             <a:fld id="{87DE6118-2437-4B30-8E3C-4D2BE6020583}" type="datetimeFigureOut">
               <a:rPr lang="en-US" dirty="0"/>
-              <a:t>11/19/2017</a:t>
+              <a:t>11/20/2017</a:t>
             </a:fld>
             <a:endParaRPr lang="en-US" dirty="0"/>
           </a:p>
@@ -3740,7 +3745,7 @@
           <a:p>
             <a:fld id="{87DE6118-2437-4B30-8E3C-4D2BE6020583}" type="datetimeFigureOut">
               <a:rPr lang="en-US" dirty="0"/>
-              <a:t>11/19/2017</a:t>
+              <a:t>11/20/2017</a:t>
             </a:fld>
             <a:endParaRPr lang="en-US" dirty="0"/>
           </a:p>
@@ -4082,7 +4087,7 @@
             <a:fld id="{87DE6118-2437-4B30-8E3C-4D2BE6020583}" type="datetimeFigureOut">
               <a:rPr lang="en-US" dirty="0"/>
               <a:pPr/>
-              <a:t>11/19/2017</a:t>
+              <a:t>11/20/2017</a:t>
             </a:fld>
             <a:endParaRPr lang="en-US" dirty="0"/>
           </a:p>
@@ -4467,7 +4472,7 @@
             <a:fld id="{87DE6118-2437-4B30-8E3C-4D2BE6020583}" type="datetimeFigureOut">
               <a:rPr lang="en-US" dirty="0"/>
               <a:pPr/>
-              <a:t>11/19/2017</a:t>
+              <a:t>11/20/2017</a:t>
             </a:fld>
             <a:endParaRPr lang="en-US" dirty="0"/>
           </a:p>
@@ -4742,7 +4747,7 @@
             <a:fld id="{87DE6118-2437-4B30-8E3C-4D2BE6020583}" type="datetimeFigureOut">
               <a:rPr lang="en-US" dirty="0"/>
               <a:pPr/>
-              <a:t>11/19/2017</a:t>
+              <a:t>11/20/2017</a:t>
             </a:fld>
             <a:endParaRPr lang="en-US" dirty="0"/>
           </a:p>

--- a/presentation/Zahlungssysteme.pptx
+++ b/presentation/Zahlungssysteme.pptx
@@ -5,7 +5,7 @@
     <p:sldMasterId id="2147483648" r:id="rId1"/>
   </p:sldMasterIdLst>
   <p:notesMasterIdLst>
-    <p:notesMasterId r:id="rId14"/>
+    <p:notesMasterId r:id="rId22"/>
   </p:notesMasterIdLst>
   <p:sldIdLst>
     <p:sldId id="256" r:id="rId2"/>
@@ -16,10 +16,18 @@
     <p:sldId id="261" r:id="rId7"/>
     <p:sldId id="262" r:id="rId8"/>
     <p:sldId id="263" r:id="rId9"/>
-    <p:sldId id="264" r:id="rId10"/>
-    <p:sldId id="265" r:id="rId11"/>
-    <p:sldId id="266" r:id="rId12"/>
-    <p:sldId id="267" r:id="rId13"/>
+    <p:sldId id="268" r:id="rId10"/>
+    <p:sldId id="269" r:id="rId11"/>
+    <p:sldId id="270" r:id="rId12"/>
+    <p:sldId id="264" r:id="rId13"/>
+    <p:sldId id="265" r:id="rId14"/>
+    <p:sldId id="266" r:id="rId15"/>
+    <p:sldId id="271" r:id="rId16"/>
+    <p:sldId id="272" r:id="rId17"/>
+    <p:sldId id="273" r:id="rId18"/>
+    <p:sldId id="267" r:id="rId19"/>
+    <p:sldId id="274" r:id="rId20"/>
+    <p:sldId id="275" r:id="rId21"/>
   </p:sldIdLst>
   <p:sldSz cx="12192000" cy="6858000"/>
   <p:notesSz cx="6858000" cy="9144000"/>
@@ -120,7 +128,7 @@
   </p:defaultTextStyle>
   <p:extLst>
     <p:ext uri="{EFAFB233-063F-42B5-8137-9DF3F51BA10A}">
-      <p15:sldGuideLst xmlns:p15="http://schemas.microsoft.com/office/powerpoint/2012/main"/>
+      <p15:sldGuideLst xmlns:p15="http://schemas.microsoft.com/office/powerpoint/2012/main" xmlns=""/>
     </p:ext>
   </p:extLst>
 </p:presentation>
@@ -208,6 +216,7 @@
           <a:p>
             <a:fld id="{53800C17-A678-4AC9-ADAB-7B7534CCF093}" type="datetimeFigureOut">
               <a:rPr lang="de-AT" smtClean="0"/>
+              <a:pPr/>
               <a:t>20.11.2017</a:t>
             </a:fld>
             <a:endParaRPr lang="de-AT"/>
@@ -367,6 +376,7 @@
           <a:p>
             <a:fld id="{7B612282-FAB7-4B8F-9ADA-E31F3B248550}" type="slidenum">
               <a:rPr lang="de-AT" smtClean="0"/>
+              <a:pPr/>
               <a:t>‹#›</a:t>
             </a:fld>
             <a:endParaRPr lang="de-AT"/>
@@ -376,7 +386,7 @@
     </p:spTree>
     <p:extLst>
       <p:ext uri="{BB962C8B-B14F-4D97-AF65-F5344CB8AC3E}">
-        <p14:creationId xmlns:p14="http://schemas.microsoft.com/office/powerpoint/2010/main" val="2481278178"/>
+        <p14:creationId xmlns:p14="http://schemas.microsoft.com/office/powerpoint/2010/main" xmlns="" val="2481278178"/>
       </p:ext>
     </p:extLst>
   </p:cSld>
@@ -556,6 +566,7 @@
           <a:p>
             <a:fld id="{7B612282-FAB7-4B8F-9ADA-E31F3B248550}" type="slidenum">
               <a:rPr lang="de-AT" smtClean="0"/>
+              <a:pPr/>
               <a:t>4</a:t>
             </a:fld>
             <a:endParaRPr lang="de-AT"/>
@@ -565,7 +576,7 @@
     </p:spTree>
     <p:extLst>
       <p:ext uri="{BB962C8B-B14F-4D97-AF65-F5344CB8AC3E}">
-        <p14:creationId xmlns:p14="http://schemas.microsoft.com/office/powerpoint/2010/main" val="517849657"/>
+        <p14:creationId xmlns:p14="http://schemas.microsoft.com/office/powerpoint/2010/main" xmlns="" val="517849657"/>
       </p:ext>
     </p:extLst>
   </p:cSld>
@@ -753,6 +764,7 @@
           <a:p>
             <a:fld id="{7B612282-FAB7-4B8F-9ADA-E31F3B248550}" type="slidenum">
               <a:rPr lang="de-AT" smtClean="0"/>
+              <a:pPr/>
               <a:t>5</a:t>
             </a:fld>
             <a:endParaRPr lang="de-AT"/>
@@ -762,7 +774,7 @@
     </p:spTree>
     <p:extLst>
       <p:ext uri="{BB962C8B-B14F-4D97-AF65-F5344CB8AC3E}">
-        <p14:creationId xmlns:p14="http://schemas.microsoft.com/office/powerpoint/2010/main" val="3568757091"/>
+        <p14:creationId xmlns:p14="http://schemas.microsoft.com/office/powerpoint/2010/main" xmlns="" val="3568757091"/>
       </p:ext>
     </p:extLst>
   </p:cSld>
@@ -996,6 +1008,7 @@
           <a:p>
             <a:fld id="{7B612282-FAB7-4B8F-9ADA-E31F3B248550}" type="slidenum">
               <a:rPr lang="de-AT" smtClean="0"/>
+              <a:pPr/>
               <a:t>6</a:t>
             </a:fld>
             <a:endParaRPr lang="de-AT"/>
@@ -1005,7 +1018,7 @@
     </p:spTree>
     <p:extLst>
       <p:ext uri="{BB962C8B-B14F-4D97-AF65-F5344CB8AC3E}">
-        <p14:creationId xmlns:p14="http://schemas.microsoft.com/office/powerpoint/2010/main" val="2669443679"/>
+        <p14:creationId xmlns:p14="http://schemas.microsoft.com/office/powerpoint/2010/main" xmlns="" val="2669443679"/>
       </p:ext>
     </p:extLst>
   </p:cSld>
@@ -1110,6 +1123,7 @@
           <a:p>
             <a:fld id="{7B612282-FAB7-4B8F-9ADA-E31F3B248550}" type="slidenum">
               <a:rPr lang="de-AT" smtClean="0"/>
+              <a:pPr/>
               <a:t>7</a:t>
             </a:fld>
             <a:endParaRPr lang="de-AT"/>
@@ -1119,7 +1133,7 @@
     </p:spTree>
     <p:extLst>
       <p:ext uri="{BB962C8B-B14F-4D97-AF65-F5344CB8AC3E}">
-        <p14:creationId xmlns:p14="http://schemas.microsoft.com/office/powerpoint/2010/main" val="3591076452"/>
+        <p14:creationId xmlns:p14="http://schemas.microsoft.com/office/powerpoint/2010/main" xmlns="" val="3591076452"/>
       </p:ext>
     </p:extLst>
   </p:cSld>
@@ -1306,7 +1320,8 @@
           <a:p>
             <a:fld id="{7B612282-FAB7-4B8F-9ADA-E31F3B248550}" type="slidenum">
               <a:rPr lang="de-AT" smtClean="0"/>
-              <a:t>10</a:t>
+              <a:pPr/>
+              <a:t>13</a:t>
             </a:fld>
             <a:endParaRPr lang="de-AT"/>
           </a:p>
@@ -1315,7 +1330,7 @@
     </p:spTree>
     <p:extLst>
       <p:ext uri="{BB962C8B-B14F-4D97-AF65-F5344CB8AC3E}">
-        <p14:creationId xmlns:p14="http://schemas.microsoft.com/office/powerpoint/2010/main" val="39085678"/>
+        <p14:creationId xmlns:p14="http://schemas.microsoft.com/office/powerpoint/2010/main" xmlns="" val="39085678"/>
       </p:ext>
     </p:extLst>
   </p:cSld>
@@ -1552,7 +1567,8 @@
           <a:p>
             <a:fld id="{7B612282-FAB7-4B8F-9ADA-E31F3B248550}" type="slidenum">
               <a:rPr lang="de-AT" smtClean="0"/>
-              <a:t>11</a:t>
+              <a:pPr/>
+              <a:t>14</a:t>
             </a:fld>
             <a:endParaRPr lang="de-AT"/>
           </a:p>
@@ -1561,7 +1577,7 @@
     </p:spTree>
     <p:extLst>
       <p:ext uri="{BB962C8B-B14F-4D97-AF65-F5344CB8AC3E}">
-        <p14:creationId xmlns:p14="http://schemas.microsoft.com/office/powerpoint/2010/main" val="1460294994"/>
+        <p14:creationId xmlns:p14="http://schemas.microsoft.com/office/powerpoint/2010/main" xmlns="" val="1460294994"/>
       </p:ext>
     </p:extLst>
   </p:cSld>
@@ -2067,6 +2083,7 @@
           <a:p>
             <a:fld id="{87DE6118-2437-4B30-8E3C-4D2BE6020583}" type="datetimeFigureOut">
               <a:rPr lang="en-US" dirty="0"/>
+              <a:pPr/>
               <a:t>11/20/2017</a:t>
             </a:fld>
             <a:endParaRPr lang="en-US" dirty="0"/>
@@ -2109,6 +2126,7 @@
           <a:p>
             <a:fld id="{69E57DC2-970A-4B3E-BB1C-7A09969E49DF}" type="slidenum">
               <a:rPr lang="en-US" dirty="0"/>
+              <a:pPr/>
               <a:t>‹#›</a:t>
             </a:fld>
             <a:endParaRPr lang="en-US" dirty="0"/>
@@ -2242,6 +2260,7 @@
           <a:p>
             <a:fld id="{87DE6118-2437-4B30-8E3C-4D2BE6020583}" type="datetimeFigureOut">
               <a:rPr lang="en-US" dirty="0"/>
+              <a:pPr/>
               <a:t>11/20/2017</a:t>
             </a:fld>
             <a:endParaRPr lang="en-US" dirty="0"/>
@@ -2284,6 +2303,7 @@
           <a:p>
             <a:fld id="{69E57DC2-970A-4B3E-BB1C-7A09969E49DF}" type="slidenum">
               <a:rPr lang="en-US" dirty="0"/>
+              <a:pPr/>
               <a:t>‹#›</a:t>
             </a:fld>
             <a:endParaRPr lang="en-US" dirty="0"/>
@@ -2407,6 +2427,7 @@
           <a:p>
             <a:fld id="{87DE6118-2437-4B30-8E3C-4D2BE6020583}" type="datetimeFigureOut">
               <a:rPr lang="en-US" dirty="0"/>
+              <a:pPr/>
               <a:t>11/20/2017</a:t>
             </a:fld>
             <a:endParaRPr lang="en-US" dirty="0"/>
@@ -2449,6 +2470,7 @@
           <a:p>
             <a:fld id="{69E57DC2-970A-4B3E-BB1C-7A09969E49DF}" type="slidenum">
               <a:rPr lang="en-US" dirty="0"/>
+              <a:pPr/>
               <a:t>‹#›</a:t>
             </a:fld>
             <a:endParaRPr lang="en-US" dirty="0"/>
@@ -2757,7 +2779,7 @@
       </p:sp>
       <p:sp>
         <p:nvSpPr>
-          <p:cNvPr id="7" name="Freeform 6" title="Crop Mark"/>
+          <p:cNvPr id="7" name="Freeform 6"/>
           <p:cNvSpPr/>
           <p:nvPr/>
         </p:nvSpPr>
@@ -3070,6 +3092,7 @@
           <a:p>
             <a:fld id="{87DE6118-2437-4B30-8E3C-4D2BE6020583}" type="datetimeFigureOut">
               <a:rPr lang="en-US" dirty="0"/>
+              <a:pPr/>
               <a:t>11/20/2017</a:t>
             </a:fld>
             <a:endParaRPr lang="en-US" dirty="0"/>
@@ -3112,6 +3135,7 @@
           <a:p>
             <a:fld id="{69E57DC2-970A-4B3E-BB1C-7A09969E49DF}" type="slidenum">
               <a:rPr lang="en-US" dirty="0"/>
+              <a:pPr/>
               <a:t>‹#›</a:t>
             </a:fld>
             <a:endParaRPr lang="en-US" dirty="0"/>
@@ -3542,6 +3566,7 @@
           <a:p>
             <a:fld id="{87DE6118-2437-4B30-8E3C-4D2BE6020583}" type="datetimeFigureOut">
               <a:rPr lang="en-US" dirty="0"/>
+              <a:pPr/>
               <a:t>11/20/2017</a:t>
             </a:fld>
             <a:endParaRPr lang="en-US" dirty="0"/>
@@ -3584,6 +3609,7 @@
           <a:p>
             <a:fld id="{69E57DC2-970A-4B3E-BB1C-7A09969E49DF}" type="slidenum">
               <a:rPr lang="en-US" dirty="0"/>
+              <a:pPr/>
               <a:t>‹#›</a:t>
             </a:fld>
             <a:endParaRPr lang="en-US" dirty="0"/>
@@ -3655,6 +3681,7 @@
           <a:p>
             <a:fld id="{87DE6118-2437-4B30-8E3C-4D2BE6020583}" type="datetimeFigureOut">
               <a:rPr lang="en-US" dirty="0"/>
+              <a:pPr/>
               <a:t>11/20/2017</a:t>
             </a:fld>
             <a:endParaRPr lang="en-US" dirty="0"/>
@@ -3697,6 +3724,7 @@
           <a:p>
             <a:fld id="{69E57DC2-970A-4B3E-BB1C-7A09969E49DF}" type="slidenum">
               <a:rPr lang="en-US" dirty="0"/>
+              <a:pPr/>
               <a:t>‹#›</a:t>
             </a:fld>
             <a:endParaRPr lang="en-US" dirty="0"/>
@@ -3745,6 +3773,7 @@
           <a:p>
             <a:fld id="{87DE6118-2437-4B30-8E3C-4D2BE6020583}" type="datetimeFigureOut">
               <a:rPr lang="en-US" dirty="0"/>
+              <a:pPr/>
               <a:t>11/20/2017</a:t>
             </a:fld>
             <a:endParaRPr lang="en-US" dirty="0"/>
@@ -3787,6 +3816,7 @@
           <a:p>
             <a:fld id="{69E57DC2-970A-4B3E-BB1C-7A09969E49DF}" type="slidenum">
               <a:rPr lang="en-US" dirty="0"/>
+              <a:pPr/>
               <a:t>‹#›</a:t>
             </a:fld>
             <a:endParaRPr lang="en-US" dirty="0"/>
@@ -3820,7 +3850,7 @@
       </p:grpSpPr>
       <p:sp>
         <p:nvSpPr>
-          <p:cNvPr id="8" name="Rectangle 7" title="Background Shape"/>
+          <p:cNvPr id="8" name="Rectangle 7"/>
           <p:cNvSpPr/>
           <p:nvPr/>
         </p:nvSpPr>
@@ -4164,7 +4194,7 @@
       </p:sp>
       <p:sp>
         <p:nvSpPr>
-          <p:cNvPr id="9" name="Rectangle 8" title="Divider Bar"/>
+          <p:cNvPr id="9" name="Rectangle 8"/>
           <p:cNvSpPr/>
           <p:nvPr/>
         </p:nvSpPr>
@@ -4227,7 +4257,7 @@
       </p:grpSpPr>
       <p:sp>
         <p:nvSpPr>
-          <p:cNvPr id="8" name="Rectangle 7" title="Background Shape"/>
+          <p:cNvPr id="8" name="Rectangle 7"/>
           <p:cNvSpPr/>
           <p:nvPr/>
         </p:nvSpPr>
@@ -4549,7 +4579,7 @@
       </p:sp>
       <p:sp>
         <p:nvSpPr>
-          <p:cNvPr id="9" name="Rectangle 8" title="Divider Bar"/>
+          <p:cNvPr id="9" name="Rectangle 8"/>
           <p:cNvSpPr/>
           <p:nvPr/>
         </p:nvSpPr>
@@ -4830,7 +4860,7 @@
       </p:sp>
       <p:sp>
         <p:nvSpPr>
-          <p:cNvPr id="9" name="Rectangle 8" title="Side bar"/>
+          <p:cNvPr id="9" name="Rectangle 8"/>
           <p:cNvSpPr/>
           <p:nvPr/>
         </p:nvSpPr>
@@ -5191,7 +5221,7 @@
   </p:txStyles>
   <p:extLst mod="1">
     <p:ext uri="{27BBF7A9-308A-43DC-89C8-2F10F3537804}">
-      <p15:sldGuideLst xmlns:p15="http://schemas.microsoft.com/office/powerpoint/2012/main">
+      <p15:sldGuideLst xmlns:p15="http://schemas.microsoft.com/office/powerpoint/2012/main" xmlns="">
         <p15:guide id="3" orient="horz" pos="1368">
           <p15:clr>
             <a:srgbClr val="F26B43"/>
@@ -5316,7 +5346,7 @@
     </p:spTree>
     <p:extLst>
       <p:ext uri="{BB962C8B-B14F-4D97-AF65-F5344CB8AC3E}">
-        <p14:creationId xmlns:p14="http://schemas.microsoft.com/office/powerpoint/2010/main" val="1556328487"/>
+        <p14:creationId xmlns:p14="http://schemas.microsoft.com/office/powerpoint/2010/main" xmlns="" val="1556328487"/>
       </p:ext>
     </p:extLst>
   </p:cSld>
@@ -5359,10 +5389,10 @@
           <a:lstStyle/>
           <a:p>
             <a:r>
-              <a:rPr lang="de-AT" dirty="0" smtClean="0"/>
-              <a:t>Moderne Zahlsysteme - Kategorien</a:t>
-            </a:r>
-            <a:endParaRPr lang="de-AT" dirty="0"/>
+              <a:rPr lang="de-DE" dirty="0" smtClean="0"/>
+              <a:t>Herkömmliche Zahlsysteme - Überweisung</a:t>
+            </a:r>
+            <a:endParaRPr lang="en-US" dirty="0"/>
           </a:p>
         </p:txBody>
       </p:sp>
@@ -5382,83 +5412,47 @@
           <a:lstStyle/>
           <a:p>
             <a:r>
-              <a:rPr lang="de-AT" dirty="0"/>
-              <a:t>E-Mail-basierte </a:t>
-            </a:r>
-            <a:r>
-              <a:rPr lang="de-AT" dirty="0" smtClean="0"/>
-              <a:t>Verfahren</a:t>
-            </a:r>
-          </a:p>
-          <a:p>
-            <a:pPr lvl="1"/>
-            <a:r>
-              <a:rPr lang="de-AT" dirty="0" smtClean="0"/>
-              <a:t>PayPal</a:t>
-            </a:r>
-          </a:p>
-          <a:p>
-            <a:r>
-              <a:rPr lang="de-AT" dirty="0"/>
-              <a:t>Karten-basierte </a:t>
-            </a:r>
-            <a:r>
-              <a:rPr lang="de-AT" dirty="0" smtClean="0"/>
-              <a:t>Verfahren</a:t>
-            </a:r>
-          </a:p>
-          <a:p>
-            <a:pPr lvl="1"/>
-            <a:r>
-              <a:rPr lang="de-AT" dirty="0" err="1" smtClean="0"/>
-              <a:t>paysafecard</a:t>
-            </a:r>
-            <a:endParaRPr lang="de-AT" dirty="0" smtClean="0"/>
-          </a:p>
-          <a:p>
-            <a:r>
-              <a:rPr lang="de-AT" dirty="0" smtClean="0"/>
-              <a:t>Mobiltelefon-basierte Verfahren</a:t>
-            </a:r>
-          </a:p>
-          <a:p>
-            <a:pPr lvl="1"/>
-            <a:r>
-              <a:rPr lang="de-AT" dirty="0" err="1" smtClean="0"/>
-              <a:t>mpass</a:t>
-            </a:r>
-            <a:endParaRPr lang="de-AT" dirty="0" smtClean="0"/>
-          </a:p>
-          <a:p>
-            <a:r>
-              <a:rPr lang="de-AT" dirty="0"/>
-              <a:t>Sonstige Inkasso- und </a:t>
-            </a:r>
-            <a:r>
-              <a:rPr lang="de-AT" dirty="0" err="1" smtClean="0"/>
-              <a:t>Billing</a:t>
-            </a:r>
-            <a:r>
-              <a:rPr lang="de-AT" dirty="0" smtClean="0"/>
-              <a:t>-Verfahren</a:t>
-            </a:r>
-          </a:p>
-          <a:p>
-            <a:pPr lvl="1"/>
-            <a:r>
-              <a:rPr lang="de-AT" dirty="0" err="1"/>
-              <a:t>ClickandBuy</a:t>
-            </a:r>
-            <a:endParaRPr lang="de-AT" dirty="0"/>
+              <a:rPr lang="de-DE" dirty="0" smtClean="0"/>
+              <a:t>Auftraggeber</a:t>
+            </a:r>
+            <a:br>
+              <a:rPr lang="de-DE" dirty="0" smtClean="0"/>
+            </a:br>
+            <a:endParaRPr lang="de-DE" dirty="0" smtClean="0"/>
+          </a:p>
+          <a:p>
+            <a:r>
+              <a:rPr lang="de-DE" dirty="0" smtClean="0"/>
+              <a:t>Kontoführende Bank des Auftraggebers</a:t>
+            </a:r>
+            <a:r>
+              <a:rPr lang="en-US" dirty="0" smtClean="0"/>
+              <a:t/>
+            </a:r>
+            <a:br>
+              <a:rPr lang="en-US" dirty="0" smtClean="0"/>
+            </a:br>
+            <a:endParaRPr lang="en-US" dirty="0" smtClean="0"/>
+          </a:p>
+          <a:p>
+            <a:r>
+              <a:rPr lang="de-DE" dirty="0" smtClean="0"/>
+              <a:t>Kontoführende Bank des Zahlungsempfängers</a:t>
+            </a:r>
+            <a:br>
+              <a:rPr lang="de-DE" dirty="0" smtClean="0"/>
+            </a:br>
+            <a:endParaRPr lang="de-DE" dirty="0" smtClean="0"/>
+          </a:p>
+          <a:p>
+            <a:r>
+              <a:rPr lang="de-DE" dirty="0" smtClean="0"/>
+              <a:t>Zahlungsempfänger</a:t>
+            </a:r>
           </a:p>
         </p:txBody>
       </p:sp>
     </p:spTree>
-    <p:extLst>
-      <p:ext uri="{BB962C8B-B14F-4D97-AF65-F5344CB8AC3E}">
-        <p14:creationId xmlns:p14="http://schemas.microsoft.com/office/powerpoint/2010/main" val="3192135544"/>
-      </p:ext>
-    </p:extLst>
   </p:cSld>
   <p:clrMapOvr>
     <a:masterClrMapping/>
@@ -5499,10 +5493,10 @@
           <a:lstStyle/>
           <a:p>
             <a:r>
-              <a:rPr lang="de-AT" dirty="0" smtClean="0"/>
-              <a:t>Moderne Zahlsysteme – Beliebtheit</a:t>
-            </a:r>
-            <a:endParaRPr lang="de-AT" dirty="0"/>
+              <a:rPr lang="de-DE" dirty="0" smtClean="0"/>
+              <a:t>Herkömmliche Zahlsysteme - Nachnahme</a:t>
+            </a:r>
+            <a:endParaRPr lang="en-US" dirty="0"/>
           </a:p>
         </p:txBody>
       </p:sp>
@@ -5522,39 +5516,34 @@
           <a:lstStyle/>
           <a:p>
             <a:r>
-              <a:rPr lang="de-AT" dirty="0" smtClean="0"/>
-              <a:t>Immer mehr Online Shopping</a:t>
-            </a:r>
-          </a:p>
-          <a:p>
-            <a:r>
-              <a:rPr lang="de-AT" dirty="0" smtClean="0"/>
-              <a:t>Anonymität</a:t>
-            </a:r>
-          </a:p>
-          <a:p>
-            <a:r>
-              <a:rPr lang="de-AT" dirty="0" smtClean="0"/>
-              <a:t>Sicherheit</a:t>
-            </a:r>
-          </a:p>
-          <a:p>
-            <a:r>
-              <a:rPr lang="de-AT" dirty="0" smtClean="0"/>
-              <a:t>Unkompliziert</a:t>
-            </a:r>
-          </a:p>
-          <a:p>
-            <a:endParaRPr lang="de-AT" dirty="0" smtClean="0"/>
+              <a:rPr lang="de-DE" dirty="0" smtClean="0"/>
+              <a:t>Absender (bestimmt Betrag, stellt Produkt her)</a:t>
+            </a:r>
+            <a:br>
+              <a:rPr lang="de-DE" dirty="0" smtClean="0"/>
+            </a:br>
+            <a:endParaRPr lang="de-DE" dirty="0" smtClean="0"/>
+          </a:p>
+          <a:p>
+            <a:r>
+              <a:rPr lang="de-DE" dirty="0" smtClean="0"/>
+              <a:t>Zusteller (liefert, nimmt Geld entgegen und überweist an Absender)</a:t>
+            </a:r>
+            <a:br>
+              <a:rPr lang="de-DE" dirty="0" smtClean="0"/>
+            </a:br>
+            <a:endParaRPr lang="de-DE" dirty="0" smtClean="0"/>
+          </a:p>
+          <a:p>
+            <a:r>
+              <a:rPr lang="de-DE" dirty="0" smtClean="0"/>
+              <a:t>Empfänger (nimmt Produkt an und zahlt Betrag)</a:t>
+            </a:r>
+            <a:endParaRPr lang="en-US" dirty="0"/>
           </a:p>
         </p:txBody>
       </p:sp>
     </p:spTree>
-    <p:extLst>
-      <p:ext uri="{BB962C8B-B14F-4D97-AF65-F5344CB8AC3E}">
-        <p14:creationId xmlns:p14="http://schemas.microsoft.com/office/powerpoint/2010/main" val="1563134053"/>
-      </p:ext>
-    </p:extLst>
   </p:cSld>
   <p:clrMapOvr>
     <a:masterClrMapping/>
@@ -5596,37 +5585,851 @@
           <a:p>
             <a:r>
               <a:rPr lang="de-AT" dirty="0" smtClean="0"/>
-              <a:t>Ethische Fragestellungen</a:t>
+              <a:t>Moderne Zahlsysteme  - Abwicklung</a:t>
             </a:r>
             <a:endParaRPr lang="de-AT" dirty="0"/>
           </a:p>
         </p:txBody>
       </p:sp>
-      <p:sp>
-        <p:nvSpPr>
-          <p:cNvPr id="3" name="Content Placeholder 2"/>
-          <p:cNvSpPr>
-            <a:spLocks noGrp="1"/>
-          </p:cNvSpPr>
+      <p:pic>
+        <p:nvPicPr>
+          <p:cNvPr id="4" name="Content Placeholder 3"/>
+          <p:cNvPicPr>
+            <a:picLocks noGrp="1" noChangeAspect="1"/>
+          </p:cNvPicPr>
           <p:nvPr>
             <p:ph idx="1"/>
           </p:nvPr>
-        </p:nvSpPr>
-        <p:spPr/>
-        <p:txBody>
-          <a:bodyPr/>
-          <a:lstStyle/>
-          <a:p>
-            <a:endParaRPr lang="de-AT" dirty="0"/>
+        </p:nvPicPr>
+        <p:blipFill>
+          <a:blip r:embed="rId2">
+            <a:extLst>
+              <a:ext uri="{28A0092B-C50C-407E-A947-70E740481C1C}">
+                <a14:useLocalDpi xmlns:a14="http://schemas.microsoft.com/office/drawing/2010/main" xmlns="" val="0"/>
+              </a:ext>
+            </a:extLst>
+          </a:blip>
+          <a:stretch>
+            <a:fillRect/>
+          </a:stretch>
+        </p:blipFill>
+        <p:spPr>
+          <a:xfrm>
+            <a:off x="2592532" y="1345622"/>
+            <a:ext cx="7621732" cy="5387057"/>
+          </a:xfrm>
+        </p:spPr>
+      </p:pic>
+      <p:sp>
+        <p:nvSpPr>
+          <p:cNvPr id="5" name="TextBox 4"/>
+          <p:cNvSpPr txBox="1"/>
+          <p:nvPr/>
+        </p:nvSpPr>
+        <p:spPr>
+          <a:xfrm>
+            <a:off x="10297392" y="2649681"/>
+            <a:ext cx="1894607" cy="400110"/>
+          </a:xfrm>
+          <a:prstGeom prst="rect">
+            <a:avLst/>
+          </a:prstGeom>
+          <a:noFill/>
+        </p:spPr>
+        <p:txBody>
+          <a:bodyPr wrap="square" rtlCol="0">
+            <a:spAutoFit/>
+          </a:bodyPr>
+          <a:lstStyle/>
+          <a:p>
+            <a:r>
+              <a:rPr lang="de-AT" sz="1000" dirty="0"/>
+              <a:t>Quelle: </a:t>
+            </a:r>
+            <a:endParaRPr lang="de-AT" sz="1000" dirty="0" smtClean="0"/>
+          </a:p>
+          <a:p>
+            <a:r>
+              <a:rPr lang="de-AT" sz="1000" dirty="0" err="1" smtClean="0"/>
+              <a:t>www.ecommerce-leitfaden.de</a:t>
+            </a:r>
+            <a:endParaRPr lang="de-AT" sz="1000" dirty="0"/>
           </a:p>
         </p:txBody>
       </p:sp>
     </p:spTree>
     <p:extLst>
       <p:ext uri="{BB962C8B-B14F-4D97-AF65-F5344CB8AC3E}">
-        <p14:creationId xmlns:p14="http://schemas.microsoft.com/office/powerpoint/2010/main" val="58107365"/>
+        <p14:creationId xmlns:p14="http://schemas.microsoft.com/office/powerpoint/2010/main" xmlns="" val="445119213"/>
       </p:ext>
     </p:extLst>
+  </p:cSld>
+  <p:clrMapOvr>
+    <a:masterClrMapping/>
+  </p:clrMapOvr>
+</p:sld>
+</file>
+
+<file path=ppt/slides/slide13.xml><?xml version="1.0" encoding="utf-8"?>
+<p:sld xmlns:a="http://schemas.openxmlformats.org/drawingml/2006/main" xmlns:r="http://schemas.openxmlformats.org/officeDocument/2006/relationships" xmlns:p="http://schemas.openxmlformats.org/presentationml/2006/main">
+  <p:cSld>
+    <p:spTree>
+      <p:nvGrpSpPr>
+        <p:cNvPr id="1" name=""/>
+        <p:cNvGrpSpPr/>
+        <p:nvPr/>
+      </p:nvGrpSpPr>
+      <p:grpSpPr>
+        <a:xfrm>
+          <a:off x="0" y="0"/>
+          <a:ext cx="0" cy="0"/>
+          <a:chOff x="0" y="0"/>
+          <a:chExt cx="0" cy="0"/>
+        </a:xfrm>
+      </p:grpSpPr>
+      <p:sp>
+        <p:nvSpPr>
+          <p:cNvPr id="2" name="Title 1"/>
+          <p:cNvSpPr>
+            <a:spLocks noGrp="1"/>
+          </p:cNvSpPr>
+          <p:nvPr>
+            <p:ph type="title"/>
+          </p:nvPr>
+        </p:nvSpPr>
+        <p:spPr/>
+        <p:txBody>
+          <a:bodyPr/>
+          <a:lstStyle/>
+          <a:p>
+            <a:r>
+              <a:rPr lang="de-AT" dirty="0" smtClean="0"/>
+              <a:t>Moderne Zahlsysteme - Kategorien</a:t>
+            </a:r>
+            <a:endParaRPr lang="de-AT" dirty="0"/>
+          </a:p>
+        </p:txBody>
+      </p:sp>
+      <p:sp>
+        <p:nvSpPr>
+          <p:cNvPr id="3" name="Content Placeholder 2"/>
+          <p:cNvSpPr>
+            <a:spLocks noGrp="1"/>
+          </p:cNvSpPr>
+          <p:nvPr>
+            <p:ph idx="1"/>
+          </p:nvPr>
+        </p:nvSpPr>
+        <p:spPr/>
+        <p:txBody>
+          <a:bodyPr/>
+          <a:lstStyle/>
+          <a:p>
+            <a:r>
+              <a:rPr lang="de-AT" dirty="0"/>
+              <a:t>E-Mail-basierte </a:t>
+            </a:r>
+            <a:r>
+              <a:rPr lang="de-AT" dirty="0" smtClean="0"/>
+              <a:t>Verfahren</a:t>
+            </a:r>
+          </a:p>
+          <a:p>
+            <a:pPr lvl="1"/>
+            <a:r>
+              <a:rPr lang="de-AT" dirty="0" smtClean="0"/>
+              <a:t>PayPal</a:t>
+            </a:r>
+          </a:p>
+          <a:p>
+            <a:r>
+              <a:rPr lang="de-AT" dirty="0"/>
+              <a:t>Karten-basierte </a:t>
+            </a:r>
+            <a:r>
+              <a:rPr lang="de-AT" dirty="0" smtClean="0"/>
+              <a:t>Verfahren</a:t>
+            </a:r>
+          </a:p>
+          <a:p>
+            <a:pPr lvl="1"/>
+            <a:r>
+              <a:rPr lang="de-AT" dirty="0" err="1" smtClean="0"/>
+              <a:t>paysafecard</a:t>
+            </a:r>
+            <a:endParaRPr lang="de-AT" dirty="0" smtClean="0"/>
+          </a:p>
+          <a:p>
+            <a:r>
+              <a:rPr lang="de-AT" dirty="0" smtClean="0"/>
+              <a:t>Mobiltelefon-basierte Verfahren</a:t>
+            </a:r>
+          </a:p>
+          <a:p>
+            <a:pPr lvl="1"/>
+            <a:r>
+              <a:rPr lang="de-AT" dirty="0" err="1" smtClean="0"/>
+              <a:t>mpass</a:t>
+            </a:r>
+            <a:endParaRPr lang="de-AT" dirty="0" smtClean="0"/>
+          </a:p>
+          <a:p>
+            <a:r>
+              <a:rPr lang="de-AT" dirty="0"/>
+              <a:t>Sonstige Inkasso- und </a:t>
+            </a:r>
+            <a:r>
+              <a:rPr lang="de-AT" dirty="0" err="1" smtClean="0"/>
+              <a:t>Billing</a:t>
+            </a:r>
+            <a:r>
+              <a:rPr lang="de-AT" dirty="0" smtClean="0"/>
+              <a:t>-Verfahren</a:t>
+            </a:r>
+          </a:p>
+          <a:p>
+            <a:pPr lvl="1"/>
+            <a:r>
+              <a:rPr lang="de-AT" dirty="0" err="1"/>
+              <a:t>ClickandBuy</a:t>
+            </a:r>
+            <a:endParaRPr lang="de-AT" dirty="0"/>
+          </a:p>
+        </p:txBody>
+      </p:sp>
+    </p:spTree>
+    <p:extLst>
+      <p:ext uri="{BB962C8B-B14F-4D97-AF65-F5344CB8AC3E}">
+        <p14:creationId xmlns:p14="http://schemas.microsoft.com/office/powerpoint/2010/main" xmlns="" val="3192135544"/>
+      </p:ext>
+    </p:extLst>
+  </p:cSld>
+  <p:clrMapOvr>
+    <a:masterClrMapping/>
+  </p:clrMapOvr>
+</p:sld>
+</file>
+
+<file path=ppt/slides/slide14.xml><?xml version="1.0" encoding="utf-8"?>
+<p:sld xmlns:a="http://schemas.openxmlformats.org/drawingml/2006/main" xmlns:r="http://schemas.openxmlformats.org/officeDocument/2006/relationships" xmlns:p="http://schemas.openxmlformats.org/presentationml/2006/main">
+  <p:cSld>
+    <p:spTree>
+      <p:nvGrpSpPr>
+        <p:cNvPr id="1" name=""/>
+        <p:cNvGrpSpPr/>
+        <p:nvPr/>
+      </p:nvGrpSpPr>
+      <p:grpSpPr>
+        <a:xfrm>
+          <a:off x="0" y="0"/>
+          <a:ext cx="0" cy="0"/>
+          <a:chOff x="0" y="0"/>
+          <a:chExt cx="0" cy="0"/>
+        </a:xfrm>
+      </p:grpSpPr>
+      <p:sp>
+        <p:nvSpPr>
+          <p:cNvPr id="2" name="Title 1"/>
+          <p:cNvSpPr>
+            <a:spLocks noGrp="1"/>
+          </p:cNvSpPr>
+          <p:nvPr>
+            <p:ph type="title"/>
+          </p:nvPr>
+        </p:nvSpPr>
+        <p:spPr/>
+        <p:txBody>
+          <a:bodyPr/>
+          <a:lstStyle/>
+          <a:p>
+            <a:r>
+              <a:rPr lang="de-AT" dirty="0" smtClean="0"/>
+              <a:t>Moderne Zahlsysteme – Beliebtheit</a:t>
+            </a:r>
+            <a:endParaRPr lang="de-AT" dirty="0"/>
+          </a:p>
+        </p:txBody>
+      </p:sp>
+      <p:sp>
+        <p:nvSpPr>
+          <p:cNvPr id="3" name="Content Placeholder 2"/>
+          <p:cNvSpPr>
+            <a:spLocks noGrp="1"/>
+          </p:cNvSpPr>
+          <p:nvPr>
+            <p:ph idx="1"/>
+          </p:nvPr>
+        </p:nvSpPr>
+        <p:spPr/>
+        <p:txBody>
+          <a:bodyPr/>
+          <a:lstStyle/>
+          <a:p>
+            <a:r>
+              <a:rPr lang="de-AT" dirty="0" smtClean="0"/>
+              <a:t>Immer mehr Online Shopping</a:t>
+            </a:r>
+          </a:p>
+          <a:p>
+            <a:r>
+              <a:rPr lang="de-AT" dirty="0" smtClean="0"/>
+              <a:t>Anonymität</a:t>
+            </a:r>
+          </a:p>
+          <a:p>
+            <a:r>
+              <a:rPr lang="de-AT" dirty="0" smtClean="0"/>
+              <a:t>Sicherheit</a:t>
+            </a:r>
+          </a:p>
+          <a:p>
+            <a:r>
+              <a:rPr lang="de-AT" dirty="0" smtClean="0"/>
+              <a:t>Unkompliziert</a:t>
+            </a:r>
+          </a:p>
+          <a:p>
+            <a:endParaRPr lang="de-AT" dirty="0" smtClean="0"/>
+          </a:p>
+        </p:txBody>
+      </p:sp>
+    </p:spTree>
+    <p:extLst>
+      <p:ext uri="{BB962C8B-B14F-4D97-AF65-F5344CB8AC3E}">
+        <p14:creationId xmlns:p14="http://schemas.microsoft.com/office/powerpoint/2010/main" xmlns="" val="1563134053"/>
+      </p:ext>
+    </p:extLst>
+  </p:cSld>
+  <p:clrMapOvr>
+    <a:masterClrMapping/>
+  </p:clrMapOvr>
+</p:sld>
+</file>
+
+<file path=ppt/slides/slide15.xml><?xml version="1.0" encoding="utf-8"?>
+<p:sld xmlns:a="http://schemas.openxmlformats.org/drawingml/2006/main" xmlns:r="http://schemas.openxmlformats.org/officeDocument/2006/relationships" xmlns:p="http://schemas.openxmlformats.org/presentationml/2006/main">
+  <p:cSld>
+    <p:spTree>
+      <p:nvGrpSpPr>
+        <p:cNvPr id="1" name=""/>
+        <p:cNvGrpSpPr/>
+        <p:nvPr/>
+      </p:nvGrpSpPr>
+      <p:grpSpPr>
+        <a:xfrm>
+          <a:off x="0" y="0"/>
+          <a:ext cx="0" cy="0"/>
+          <a:chOff x="0" y="0"/>
+          <a:chExt cx="0" cy="0"/>
+        </a:xfrm>
+      </p:grpSpPr>
+      <p:sp>
+        <p:nvSpPr>
+          <p:cNvPr id="2" name="Title 1"/>
+          <p:cNvSpPr>
+            <a:spLocks noGrp="1"/>
+          </p:cNvSpPr>
+          <p:nvPr>
+            <p:ph type="title"/>
+          </p:nvPr>
+        </p:nvSpPr>
+        <p:spPr/>
+        <p:txBody>
+          <a:bodyPr/>
+          <a:lstStyle/>
+          <a:p>
+            <a:r>
+              <a:rPr lang="de-DE" dirty="0" smtClean="0"/>
+              <a:t>Kryptowährungen - Allgemein</a:t>
+            </a:r>
+            <a:endParaRPr lang="en-US" dirty="0"/>
+          </a:p>
+        </p:txBody>
+      </p:sp>
+      <p:sp>
+        <p:nvSpPr>
+          <p:cNvPr id="3" name="Content Placeholder 2"/>
+          <p:cNvSpPr>
+            <a:spLocks noGrp="1"/>
+          </p:cNvSpPr>
+          <p:nvPr>
+            <p:ph idx="1"/>
+          </p:nvPr>
+        </p:nvSpPr>
+        <p:spPr/>
+        <p:txBody>
+          <a:bodyPr/>
+          <a:lstStyle/>
+          <a:p>
+            <a:r>
+              <a:rPr lang="de-DE" dirty="0" smtClean="0"/>
+              <a:t>Verteiltes, dezentrales, sicheres Zahlungsmittel</a:t>
+            </a:r>
+            <a:br>
+              <a:rPr lang="de-DE" dirty="0" smtClean="0"/>
+            </a:br>
+            <a:endParaRPr lang="de-DE" dirty="0" smtClean="0"/>
+          </a:p>
+          <a:p>
+            <a:r>
+              <a:rPr lang="de-DE" dirty="0" smtClean="0"/>
+              <a:t>Verwendet Kryptographische Prinzipien</a:t>
+            </a:r>
+            <a:br>
+              <a:rPr lang="de-DE" dirty="0" smtClean="0"/>
+            </a:br>
+            <a:endParaRPr lang="de-DE" dirty="0" smtClean="0"/>
+          </a:p>
+          <a:p>
+            <a:r>
+              <a:rPr lang="de-DE" dirty="0" smtClean="0"/>
+              <a:t>Bitcoin seit 2009</a:t>
+            </a:r>
+            <a:endParaRPr lang="en-US" dirty="0"/>
+          </a:p>
+        </p:txBody>
+      </p:sp>
+    </p:spTree>
+  </p:cSld>
+  <p:clrMapOvr>
+    <a:masterClrMapping/>
+  </p:clrMapOvr>
+</p:sld>
+</file>
+
+<file path=ppt/slides/slide16.xml><?xml version="1.0" encoding="utf-8"?>
+<p:sld xmlns:a="http://schemas.openxmlformats.org/drawingml/2006/main" xmlns:r="http://schemas.openxmlformats.org/officeDocument/2006/relationships" xmlns:p="http://schemas.openxmlformats.org/presentationml/2006/main">
+  <p:cSld>
+    <p:spTree>
+      <p:nvGrpSpPr>
+        <p:cNvPr id="1" name=""/>
+        <p:cNvGrpSpPr/>
+        <p:nvPr/>
+      </p:nvGrpSpPr>
+      <p:grpSpPr>
+        <a:xfrm>
+          <a:off x="0" y="0"/>
+          <a:ext cx="0" cy="0"/>
+          <a:chOff x="0" y="0"/>
+          <a:chExt cx="0" cy="0"/>
+        </a:xfrm>
+      </p:grpSpPr>
+      <p:sp>
+        <p:nvSpPr>
+          <p:cNvPr id="2" name="Title 1"/>
+          <p:cNvSpPr>
+            <a:spLocks noGrp="1"/>
+          </p:cNvSpPr>
+          <p:nvPr>
+            <p:ph type="title"/>
+          </p:nvPr>
+        </p:nvSpPr>
+        <p:spPr/>
+        <p:txBody>
+          <a:bodyPr/>
+          <a:lstStyle/>
+          <a:p>
+            <a:r>
+              <a:rPr lang="de-DE" dirty="0" smtClean="0"/>
+              <a:t>Kryptowährungen - Umsetzung</a:t>
+            </a:r>
+            <a:endParaRPr lang="en-US" dirty="0"/>
+          </a:p>
+        </p:txBody>
+      </p:sp>
+      <p:sp>
+        <p:nvSpPr>
+          <p:cNvPr id="3" name="Content Placeholder 2"/>
+          <p:cNvSpPr>
+            <a:spLocks noGrp="1"/>
+          </p:cNvSpPr>
+          <p:nvPr>
+            <p:ph idx="1"/>
+          </p:nvPr>
+        </p:nvSpPr>
+        <p:spPr/>
+        <p:txBody>
+          <a:bodyPr/>
+          <a:lstStyle/>
+          <a:p>
+            <a:r>
+              <a:rPr lang="de-DE" dirty="0" smtClean="0"/>
+              <a:t>P2P-Netzwerk (Peer to Peer)</a:t>
+            </a:r>
+            <a:br>
+              <a:rPr lang="de-DE" dirty="0" smtClean="0"/>
+            </a:br>
+            <a:endParaRPr lang="de-DE" dirty="0" smtClean="0"/>
+          </a:p>
+          <a:p>
+            <a:r>
+              <a:rPr lang="de-DE" dirty="0" smtClean="0"/>
+              <a:t>Schlüsselpaar</a:t>
+            </a:r>
+          </a:p>
+          <a:p>
+            <a:pPr lvl="1"/>
+            <a:r>
+              <a:rPr lang="de-DE" dirty="0" smtClean="0"/>
+              <a:t>Public Key (Kontonummer)</a:t>
+            </a:r>
+          </a:p>
+          <a:p>
+            <a:pPr lvl="1"/>
+            <a:r>
+              <a:rPr lang="de-DE" dirty="0" smtClean="0"/>
+              <a:t>Private Key (Authorisierung)</a:t>
+            </a:r>
+            <a:br>
+              <a:rPr lang="de-DE" dirty="0" smtClean="0"/>
+            </a:br>
+            <a:endParaRPr lang="de-DE" dirty="0" smtClean="0"/>
+          </a:p>
+          <a:p>
+            <a:r>
+              <a:rPr lang="de-DE" dirty="0" smtClean="0"/>
+              <a:t>Buchhaltung in Blockchains</a:t>
+            </a:r>
+          </a:p>
+          <a:p>
+            <a:pPr lvl="1"/>
+            <a:r>
+              <a:rPr lang="de-DE" dirty="0" smtClean="0"/>
+              <a:t>Aufbauend</a:t>
+            </a:r>
+          </a:p>
+          <a:p>
+            <a:pPr lvl="1"/>
+            <a:r>
+              <a:rPr lang="de-DE" dirty="0" smtClean="0"/>
+              <a:t>Von vielen bestätigt</a:t>
+            </a:r>
+            <a:endParaRPr lang="en-US" dirty="0"/>
+          </a:p>
+        </p:txBody>
+      </p:sp>
+    </p:spTree>
+  </p:cSld>
+  <p:clrMapOvr>
+    <a:masterClrMapping/>
+  </p:clrMapOvr>
+</p:sld>
+</file>
+
+<file path=ppt/slides/slide17.xml><?xml version="1.0" encoding="utf-8"?>
+<p:sld xmlns:a="http://schemas.openxmlformats.org/drawingml/2006/main" xmlns:r="http://schemas.openxmlformats.org/officeDocument/2006/relationships" xmlns:p="http://schemas.openxmlformats.org/presentationml/2006/main">
+  <p:cSld>
+    <p:spTree>
+      <p:nvGrpSpPr>
+        <p:cNvPr id="1" name=""/>
+        <p:cNvGrpSpPr/>
+        <p:nvPr/>
+      </p:nvGrpSpPr>
+      <p:grpSpPr>
+        <a:xfrm>
+          <a:off x="0" y="0"/>
+          <a:ext cx="0" cy="0"/>
+          <a:chOff x="0" y="0"/>
+          <a:chExt cx="0" cy="0"/>
+        </a:xfrm>
+      </p:grpSpPr>
+      <p:sp>
+        <p:nvSpPr>
+          <p:cNvPr id="2" name="Title 1"/>
+          <p:cNvSpPr>
+            <a:spLocks noGrp="1"/>
+          </p:cNvSpPr>
+          <p:nvPr>
+            <p:ph type="title"/>
+          </p:nvPr>
+        </p:nvSpPr>
+        <p:spPr/>
+        <p:txBody>
+          <a:bodyPr/>
+          <a:lstStyle/>
+          <a:p>
+            <a:r>
+              <a:rPr lang="de-DE" dirty="0" smtClean="0"/>
+              <a:t>Kryptowährungen - Gefahren</a:t>
+            </a:r>
+            <a:endParaRPr lang="en-US" dirty="0"/>
+          </a:p>
+        </p:txBody>
+      </p:sp>
+      <p:sp>
+        <p:nvSpPr>
+          <p:cNvPr id="3" name="Content Placeholder 2"/>
+          <p:cNvSpPr>
+            <a:spLocks noGrp="1"/>
+          </p:cNvSpPr>
+          <p:nvPr>
+            <p:ph idx="1"/>
+          </p:nvPr>
+        </p:nvSpPr>
+        <p:spPr/>
+        <p:txBody>
+          <a:bodyPr>
+            <a:normAutofit fontScale="92500"/>
+          </a:bodyPr>
+          <a:lstStyle/>
+          <a:p>
+            <a:r>
+              <a:rPr lang="de-DE" dirty="0" smtClean="0"/>
+              <a:t>Softwarefehler</a:t>
+            </a:r>
+          </a:p>
+          <a:p>
+            <a:pPr lvl="1"/>
+            <a:r>
+              <a:rPr lang="de-DE" dirty="0" smtClean="0"/>
+              <a:t>15. August 2009, 184 Milliarden BTC überwiesen (nur 21 Millionen BTC existieren)</a:t>
+            </a:r>
+            <a:br>
+              <a:rPr lang="de-DE" dirty="0" smtClean="0"/>
+            </a:br>
+            <a:endParaRPr lang="de-DE" dirty="0" smtClean="0"/>
+          </a:p>
+          <a:p>
+            <a:r>
+              <a:rPr lang="de-DE" dirty="0" smtClean="0"/>
+              <a:t>51%-Attacke</a:t>
+            </a:r>
+          </a:p>
+          <a:p>
+            <a:pPr lvl="1"/>
+            <a:r>
+              <a:rPr lang="de-DE" dirty="0" smtClean="0"/>
+              <a:t>Manipulierbar</a:t>
+            </a:r>
+          </a:p>
+          <a:p>
+            <a:pPr lvl="1"/>
+            <a:r>
+              <a:rPr lang="de-DE" dirty="0" smtClean="0"/>
+              <a:t>Kontroller gleichmäßig verteilen</a:t>
+            </a:r>
+            <a:r>
+              <a:rPr lang="de-DE" dirty="0" smtClean="0"/>
+              <a:t/>
+            </a:r>
+            <a:br>
+              <a:rPr lang="de-DE" dirty="0" smtClean="0"/>
+            </a:br>
+            <a:endParaRPr lang="de-DE" dirty="0" smtClean="0"/>
+          </a:p>
+          <a:p>
+            <a:r>
+              <a:rPr lang="de-DE" dirty="0" smtClean="0"/>
+              <a:t>Datenverlust/diebstahl</a:t>
+            </a:r>
+          </a:p>
+          <a:p>
+            <a:pPr lvl="1"/>
+            <a:r>
+              <a:rPr lang="de-DE" dirty="0" smtClean="0"/>
+              <a:t>Transaktionen für die Ewigkeit</a:t>
+            </a:r>
+          </a:p>
+          <a:p>
+            <a:pPr lvl="1"/>
+            <a:r>
+              <a:rPr lang="de-DE" dirty="0" smtClean="0"/>
+              <a:t>Private Key weg – Vermögen weg</a:t>
+            </a:r>
+          </a:p>
+        </p:txBody>
+      </p:sp>
+    </p:spTree>
+  </p:cSld>
+  <p:clrMapOvr>
+    <a:masterClrMapping/>
+  </p:clrMapOvr>
+</p:sld>
+</file>
+
+<file path=ppt/slides/slide18.xml><?xml version="1.0" encoding="utf-8"?>
+<p:sld xmlns:a="http://schemas.openxmlformats.org/drawingml/2006/main" xmlns:r="http://schemas.openxmlformats.org/officeDocument/2006/relationships" xmlns:p="http://schemas.openxmlformats.org/presentationml/2006/main">
+  <p:cSld>
+    <p:spTree>
+      <p:nvGrpSpPr>
+        <p:cNvPr id="1" name=""/>
+        <p:cNvGrpSpPr/>
+        <p:nvPr/>
+      </p:nvGrpSpPr>
+      <p:grpSpPr>
+        <a:xfrm>
+          <a:off x="0" y="0"/>
+          <a:ext cx="0" cy="0"/>
+          <a:chOff x="0" y="0"/>
+          <a:chExt cx="0" cy="0"/>
+        </a:xfrm>
+      </p:grpSpPr>
+      <p:sp>
+        <p:nvSpPr>
+          <p:cNvPr id="2" name="Title 1"/>
+          <p:cNvSpPr>
+            <a:spLocks noGrp="1"/>
+          </p:cNvSpPr>
+          <p:nvPr>
+            <p:ph type="title"/>
+          </p:nvPr>
+        </p:nvSpPr>
+        <p:spPr/>
+        <p:txBody>
+          <a:bodyPr/>
+          <a:lstStyle/>
+          <a:p>
+            <a:r>
+              <a:rPr lang="de-AT" dirty="0" smtClean="0"/>
+              <a:t>Ethische </a:t>
+            </a:r>
+            <a:r>
+              <a:rPr lang="de-AT" dirty="0" smtClean="0"/>
+              <a:t>Fragestellung - Microtransactions</a:t>
+            </a:r>
+            <a:endParaRPr lang="de-AT" dirty="0"/>
+          </a:p>
+        </p:txBody>
+      </p:sp>
+      <p:sp>
+        <p:nvSpPr>
+          <p:cNvPr id="3" name="Content Placeholder 2"/>
+          <p:cNvSpPr>
+            <a:spLocks noGrp="1"/>
+          </p:cNvSpPr>
+          <p:nvPr>
+            <p:ph idx="1"/>
+          </p:nvPr>
+        </p:nvSpPr>
+        <p:spPr/>
+        <p:txBody>
+          <a:bodyPr/>
+          <a:lstStyle/>
+          <a:p>
+            <a:r>
+              <a:rPr lang="de-AT" dirty="0" smtClean="0"/>
+              <a:t>Es ist möglich in Anwendungen, besonders im Bereich der Unterhaltung, für einen geringen Betrag sogenannte In-App-Käufe zu tätigen, welche je nach Anwendung einen kleinen Vorteil gegenüber Anderen bieten. In Applikationen, welche gezielt für Kinder entwickelt werden, wird nicht auf Microtransactions verzichtet. Moderne Zahlungssysteme ermöglichen einen einfach Ablauf der Zahlung</a:t>
+            </a:r>
+            <a:r>
+              <a:rPr lang="de-AT" dirty="0" smtClean="0"/>
+              <a:t>.</a:t>
+            </a:r>
+            <a:r>
+              <a:rPr lang="de-AT" dirty="0"/>
+              <a:t/>
+            </a:r>
+            <a:br>
+              <a:rPr lang="de-AT" dirty="0"/>
+            </a:br>
+            <a:endParaRPr lang="de-AT" dirty="0" smtClean="0"/>
+          </a:p>
+          <a:p>
+            <a:r>
+              <a:rPr lang="de-AT" dirty="0" smtClean="0"/>
+              <a:t>Ist es als Entwickler/Unternehmen in Ordnung leicht abwickelbare In-App-Käufe in Applikation für Kinder zu ermöglichen?</a:t>
+            </a:r>
+          </a:p>
+        </p:txBody>
+      </p:sp>
+    </p:spTree>
+    <p:extLst>
+      <p:ext uri="{BB962C8B-B14F-4D97-AF65-F5344CB8AC3E}">
+        <p14:creationId xmlns:p14="http://schemas.microsoft.com/office/powerpoint/2010/main" xmlns="" val="58107365"/>
+      </p:ext>
+    </p:extLst>
+  </p:cSld>
+  <p:clrMapOvr>
+    <a:masterClrMapping/>
+  </p:clrMapOvr>
+</p:sld>
+</file>
+
+<file path=ppt/slides/slide19.xml><?xml version="1.0" encoding="utf-8"?>
+<p:sld xmlns:a="http://schemas.openxmlformats.org/drawingml/2006/main" xmlns:r="http://schemas.openxmlformats.org/officeDocument/2006/relationships" xmlns:p="http://schemas.openxmlformats.org/presentationml/2006/main">
+  <p:cSld>
+    <p:spTree>
+      <p:nvGrpSpPr>
+        <p:cNvPr id="1" name=""/>
+        <p:cNvGrpSpPr/>
+        <p:nvPr/>
+      </p:nvGrpSpPr>
+      <p:grpSpPr>
+        <a:xfrm>
+          <a:off x="0" y="0"/>
+          <a:ext cx="0" cy="0"/>
+          <a:chOff x="0" y="0"/>
+          <a:chExt cx="0" cy="0"/>
+        </a:xfrm>
+      </p:grpSpPr>
+      <p:sp>
+        <p:nvSpPr>
+          <p:cNvPr id="2" name="Title 1"/>
+          <p:cNvSpPr>
+            <a:spLocks noGrp="1"/>
+          </p:cNvSpPr>
+          <p:nvPr>
+            <p:ph type="title"/>
+          </p:nvPr>
+        </p:nvSpPr>
+        <p:spPr/>
+        <p:txBody>
+          <a:bodyPr/>
+          <a:lstStyle/>
+          <a:p>
+            <a:r>
+              <a:rPr lang="de-AT" dirty="0" smtClean="0"/>
+              <a:t>Ethische Fragestellungen </a:t>
+            </a:r>
+            <a:r>
+              <a:rPr lang="de-AT" dirty="0" smtClean="0"/>
+              <a:t>- Anonymität</a:t>
+            </a:r>
+            <a:endParaRPr lang="en-US" dirty="0"/>
+          </a:p>
+        </p:txBody>
+      </p:sp>
+      <p:sp>
+        <p:nvSpPr>
+          <p:cNvPr id="3" name="Content Placeholder 2"/>
+          <p:cNvSpPr>
+            <a:spLocks noGrp="1"/>
+          </p:cNvSpPr>
+          <p:nvPr>
+            <p:ph idx="1"/>
+          </p:nvPr>
+        </p:nvSpPr>
+        <p:spPr/>
+        <p:txBody>
+          <a:bodyPr/>
+          <a:lstStyle/>
+          <a:p>
+            <a:r>
+              <a:rPr lang="de-AT" dirty="0" smtClean="0"/>
+              <a:t>Es ist möglich über das Internet mithilfe von Kryptowährungen komplett anonym Geschäfte abzuwickeln. Diese Zahlungen sind erst 2 Jahre nach der Transaktion nachverfolgbar</a:t>
+            </a:r>
+            <a:r>
+              <a:rPr lang="de-AT" dirty="0" smtClean="0"/>
+              <a:t>.</a:t>
+            </a:r>
+            <a:br>
+              <a:rPr lang="de-AT" dirty="0" smtClean="0"/>
+            </a:br>
+            <a:endParaRPr lang="de-AT" dirty="0" smtClean="0"/>
+          </a:p>
+          <a:p>
+            <a:r>
+              <a:rPr lang="de-AT" dirty="0" smtClean="0"/>
+              <a:t>Sollte man anonymisierte Kryptowährungen verbieten um illegalen Bestellungen nachgehen zu können</a:t>
+            </a:r>
+            <a:r>
+              <a:rPr lang="de-AT" dirty="0" smtClean="0"/>
+              <a:t>?</a:t>
+            </a:r>
+            <a:endParaRPr lang="de-AT" dirty="0" smtClean="0"/>
+          </a:p>
+        </p:txBody>
+      </p:sp>
+    </p:spTree>
   </p:cSld>
   <p:clrMapOvr>
     <a:masterClrMapping/>
@@ -5784,9 +6587,110 @@
     </p:spTree>
     <p:extLst>
       <p:ext uri="{BB962C8B-B14F-4D97-AF65-F5344CB8AC3E}">
-        <p14:creationId xmlns:p14="http://schemas.microsoft.com/office/powerpoint/2010/main" val="1961828097"/>
+        <p14:creationId xmlns:p14="http://schemas.microsoft.com/office/powerpoint/2010/main" xmlns="" val="1961828097"/>
       </p:ext>
     </p:extLst>
+  </p:cSld>
+  <p:clrMapOvr>
+    <a:masterClrMapping/>
+  </p:clrMapOvr>
+</p:sld>
+</file>
+
+<file path=ppt/slides/slide20.xml><?xml version="1.0" encoding="utf-8"?>
+<p:sld xmlns:a="http://schemas.openxmlformats.org/drawingml/2006/main" xmlns:r="http://schemas.openxmlformats.org/officeDocument/2006/relationships" xmlns:p="http://schemas.openxmlformats.org/presentationml/2006/main">
+  <p:cSld>
+    <p:spTree>
+      <p:nvGrpSpPr>
+        <p:cNvPr id="1" name=""/>
+        <p:cNvGrpSpPr/>
+        <p:nvPr/>
+      </p:nvGrpSpPr>
+      <p:grpSpPr>
+        <a:xfrm>
+          <a:off x="0" y="0"/>
+          <a:ext cx="0" cy="0"/>
+          <a:chOff x="0" y="0"/>
+          <a:chExt cx="0" cy="0"/>
+        </a:xfrm>
+      </p:grpSpPr>
+      <p:sp>
+        <p:nvSpPr>
+          <p:cNvPr id="2" name="Title 1"/>
+          <p:cNvSpPr>
+            <a:spLocks noGrp="1"/>
+          </p:cNvSpPr>
+          <p:nvPr>
+            <p:ph type="title"/>
+          </p:nvPr>
+        </p:nvSpPr>
+        <p:spPr/>
+        <p:txBody>
+          <a:bodyPr/>
+          <a:lstStyle/>
+          <a:p>
+            <a:r>
+              <a:rPr lang="de-AT" dirty="0" smtClean="0"/>
+              <a:t>Ethische Fragestellungen </a:t>
+            </a:r>
+            <a:r>
+              <a:rPr lang="de-AT" dirty="0" smtClean="0"/>
+              <a:t>– Unreguliertes Zahlungssystem</a:t>
+            </a:r>
+            <a:endParaRPr lang="en-US" dirty="0"/>
+          </a:p>
+        </p:txBody>
+      </p:sp>
+      <p:sp>
+        <p:nvSpPr>
+          <p:cNvPr id="3" name="Content Placeholder 2"/>
+          <p:cNvSpPr>
+            <a:spLocks noGrp="1"/>
+          </p:cNvSpPr>
+          <p:nvPr>
+            <p:ph idx="1"/>
+          </p:nvPr>
+        </p:nvSpPr>
+        <p:spPr/>
+        <p:txBody>
+          <a:bodyPr/>
+          <a:lstStyle/>
+          <a:p>
+            <a:r>
+              <a:rPr lang="de-AT" dirty="0" smtClean="0"/>
+              <a:t>Kryptowährungen bauen ein unabhängig und vom Finanzsystem unreguliertes Zahlungssystem auf, welches nicht den staatlichen Regeln entspricht</a:t>
+            </a:r>
+            <a:r>
+              <a:rPr lang="de-AT" dirty="0" smtClean="0"/>
+              <a:t>.</a:t>
+            </a:r>
+            <a:r>
+              <a:rPr lang="en-US" dirty="0" smtClean="0"/>
+              <a:t/>
+            </a:r>
+            <a:br>
+              <a:rPr lang="en-US" dirty="0" smtClean="0"/>
+            </a:br>
+            <a:endParaRPr lang="en-US" dirty="0" smtClean="0"/>
+          </a:p>
+          <a:p>
+            <a:r>
+              <a:rPr lang="de-AT" dirty="0" smtClean="0"/>
+              <a:t>Sollten unabhängige und unregulierte Zahlungssysteme verboten werden, weil sie dem Finanzsystem </a:t>
+            </a:r>
+            <a:r>
+              <a:rPr lang="de-AT" smtClean="0"/>
+              <a:t>schaden</a:t>
+            </a:r>
+            <a:r>
+              <a:rPr lang="de-AT" smtClean="0"/>
+              <a:t>?</a:t>
+            </a:r>
+            <a:endParaRPr lang="de-AT" smtClean="0"/>
+          </a:p>
+        </p:txBody>
+      </p:sp>
+    </p:spTree>
   </p:cSld>
   <p:clrMapOvr>
     <a:masterClrMapping/>
@@ -5897,7 +6801,7 @@
     </p:spTree>
     <p:extLst>
       <p:ext uri="{BB962C8B-B14F-4D97-AF65-F5344CB8AC3E}">
-        <p14:creationId xmlns:p14="http://schemas.microsoft.com/office/powerpoint/2010/main" val="3253564952"/>
+        <p14:creationId xmlns:p14="http://schemas.microsoft.com/office/powerpoint/2010/main" xmlns="" val="3253564952"/>
       </p:ext>
     </p:extLst>
   </p:cSld>
@@ -6068,7 +6972,7 @@
     </p:spTree>
     <p:extLst>
       <p:ext uri="{BB962C8B-B14F-4D97-AF65-F5344CB8AC3E}">
-        <p14:creationId xmlns:p14="http://schemas.microsoft.com/office/powerpoint/2010/main" val="405770618"/>
+        <p14:creationId xmlns:p14="http://schemas.microsoft.com/office/powerpoint/2010/main" xmlns="" val="405770618"/>
       </p:ext>
     </p:extLst>
   </p:cSld>
@@ -6251,7 +7155,7 @@
     </p:spTree>
     <p:extLst>
       <p:ext uri="{BB962C8B-B14F-4D97-AF65-F5344CB8AC3E}">
-        <p14:creationId xmlns:p14="http://schemas.microsoft.com/office/powerpoint/2010/main" val="2103904183"/>
+        <p14:creationId xmlns:p14="http://schemas.microsoft.com/office/powerpoint/2010/main" xmlns="" val="2103904183"/>
       </p:ext>
     </p:extLst>
   </p:cSld>
@@ -6377,7 +7281,7 @@
     </p:spTree>
     <p:extLst>
       <p:ext uri="{BB962C8B-B14F-4D97-AF65-F5344CB8AC3E}">
-        <p14:creationId xmlns:p14="http://schemas.microsoft.com/office/powerpoint/2010/main" val="3886553994"/>
+        <p14:creationId xmlns:p14="http://schemas.microsoft.com/office/powerpoint/2010/main" xmlns="" val="3886553994"/>
       </p:ext>
     </p:extLst>
   </p:cSld>
@@ -6486,7 +7390,7 @@
     </p:spTree>
     <p:extLst>
       <p:ext uri="{BB962C8B-B14F-4D97-AF65-F5344CB8AC3E}">
-        <p14:creationId xmlns:p14="http://schemas.microsoft.com/office/powerpoint/2010/main" val="1362818243"/>
+        <p14:creationId xmlns:p14="http://schemas.microsoft.com/office/powerpoint/2010/main" xmlns="" val="1362818243"/>
       </p:ext>
     </p:extLst>
   </p:cSld>
@@ -6530,7 +7434,11 @@
           <a:p>
             <a:r>
               <a:rPr lang="de-AT" dirty="0" smtClean="0"/>
-              <a:t>Herkömmliche Zahlsysteme</a:t>
+              <a:t>Herkömmliche </a:t>
+            </a:r>
+            <a:r>
+              <a:rPr lang="de-AT" dirty="0" smtClean="0"/>
+              <a:t>Zahlsysteme - Definition</a:t>
             </a:r>
             <a:endParaRPr lang="de-AT" dirty="0"/>
           </a:p>
@@ -6549,142 +7457,41 @@
         <p:spPr/>
         <p:txBody>
           <a:bodyPr>
-            <a:normAutofit fontScale="25000" lnSpcReduction="20000"/>
+            <a:normAutofit/>
           </a:bodyPr>
           <a:lstStyle/>
           <a:p>
             <a:r>
-              <a:rPr lang="de-AT" sz="4000" dirty="0" smtClean="0"/>
-              <a:t>JOHANNES BISHARAJOHANNES BISHARA JOHANNES BISHARAJOHANNES BISHARA JOHANNES BISHARAJOHANNES BISHARA JOHANNES BISHARAJOHANNES </a:t>
-            </a:r>
-            <a:r>
-              <a:rPr lang="de-AT" sz="4000" dirty="0" err="1" smtClean="0"/>
-              <a:t>BISHARAJOHANNES</a:t>
-            </a:r>
-            <a:r>
-              <a:rPr lang="de-AT" sz="4000" dirty="0" smtClean="0"/>
-              <a:t> </a:t>
-            </a:r>
-            <a:r>
-              <a:rPr lang="de-AT" sz="4000" dirty="0" err="1" smtClean="0"/>
-              <a:t>BISHARAJOHANNES</a:t>
-            </a:r>
-            <a:r>
-              <a:rPr lang="de-AT" sz="4000" dirty="0" smtClean="0"/>
-              <a:t> BISHARA JOHANNES BISHARAJOHANNES BISHARA JOHANNES BISHARAJOHANNES BISHARA JOHANNES BISHARAJOHANNES BISHARA JOHANNES BISHARAJOHANNES BISHARA JOHANNES BISHARAJOHANNES BISHARA JOHANNES BISHARAJOHANNES BISHARA JOHANNES BISHARAJOHANNES BISHARA </a:t>
-            </a:r>
-          </a:p>
-          <a:p>
-            <a:r>
-              <a:rPr lang="de-AT" sz="4000" dirty="0" smtClean="0"/>
-              <a:t> JOHANNES BISHARAJOHANNES BISHARA JOHANNES BISHARAJOHANNES BISHARA JOHANNES BISHARAJOHANNES BISHARA JOHANNES BISHARAJOHANNES </a:t>
-            </a:r>
-            <a:r>
-              <a:rPr lang="de-AT" sz="4000" dirty="0" err="1" smtClean="0"/>
-              <a:t>BISHARAJOHANNES</a:t>
-            </a:r>
-            <a:r>
-              <a:rPr lang="de-AT" sz="4000" dirty="0" smtClean="0"/>
-              <a:t> </a:t>
-            </a:r>
-            <a:r>
-              <a:rPr lang="de-AT" sz="4000" dirty="0" err="1" smtClean="0"/>
-              <a:t>BISHARAJOHANNES</a:t>
-            </a:r>
-            <a:r>
-              <a:rPr lang="de-AT" sz="4000" dirty="0" smtClean="0"/>
-              <a:t> BISHARA JOHANNES BISHARAJOHANNES BISHARA JOHANNES BISHARAJOHANNES BISHARA JOHANNES BISHARAJOHANNES BISHARA JOHANNES BISHARAJOHANNES BISHARA JOHANNES BISHARAJOHANNES BISHARA JOHANNES BISHARAJOHANNES BISHARA JOHANNES BISHARAJOHANNES BISHARA </a:t>
-            </a:r>
-          </a:p>
-          <a:p>
-            <a:r>
-              <a:rPr lang="de-AT" sz="4000" dirty="0" smtClean="0"/>
-              <a:t>JOHANNES BISHARAJOHANNES BISHARA JOHANNES BISHARAJOHANNES BISHARA JOHANNES BISHARAJOHANNES BISHARA JOHANNES BISHARAJOHANNES </a:t>
-            </a:r>
-            <a:r>
-              <a:rPr lang="de-AT" sz="4000" dirty="0" err="1" smtClean="0"/>
-              <a:t>BISHARAJOHANNES</a:t>
-            </a:r>
-            <a:r>
-              <a:rPr lang="de-AT" sz="4000" dirty="0" smtClean="0"/>
-              <a:t> </a:t>
-            </a:r>
-            <a:r>
-              <a:rPr lang="de-AT" sz="4000" dirty="0" err="1" smtClean="0"/>
-              <a:t>BISHARAJOHANNES</a:t>
-            </a:r>
-            <a:r>
-              <a:rPr lang="de-AT" sz="4000" dirty="0" smtClean="0"/>
-              <a:t> BISHARA JOHANNES BISHARAJOHANNES BISHARA JOHANNES BISHARAJOHANNES BISHARA JOHANNES BISHARAJOHANNES BISHARA JOHANNES BISHARAJOHANNES BISHARA JOHANNES BISHARAJOHANNES BISHARA JOHANNES BISHARAJOHANNES BISHARA JOHANNES BISHARAJOHANNES BISHARA </a:t>
-            </a:r>
-          </a:p>
-          <a:p>
-            <a:r>
-              <a:rPr lang="de-AT" sz="4000" dirty="0" smtClean="0"/>
-              <a:t>JOHANNES BISHARAJOHANNES BISHARA JOHANNES BISHARAJOHANNES BISHARA JOHANNES BISHARAJOHANNES BISHARA JOHANNES BISHARAJOHANNES </a:t>
-            </a:r>
-            <a:r>
-              <a:rPr lang="de-AT" sz="4000" dirty="0" err="1" smtClean="0"/>
-              <a:t>BISHARAJOHANNES</a:t>
-            </a:r>
-            <a:r>
-              <a:rPr lang="de-AT" sz="4000" dirty="0" smtClean="0"/>
-              <a:t> </a:t>
-            </a:r>
-            <a:r>
-              <a:rPr lang="de-AT" sz="4000" dirty="0" err="1" smtClean="0"/>
-              <a:t>BISHARAJOHANNES</a:t>
-            </a:r>
-            <a:r>
-              <a:rPr lang="de-AT" sz="4000" dirty="0" smtClean="0"/>
-              <a:t> BISHARA JOHANNES BISHARAJOHANNES BISHARA JOHANNES BISHARAJOHANNES BISHARA JOHANNES BISHARAJOHANNES BISHARA JOHANNES BISHARAJOHANNES BISHARA JOHANNES BISHARAJOHANNES BISHARA JOHANNES BISHARAJOHANNES BISHARA JOHANNES BISHARAJOHANNES BISHARA </a:t>
-            </a:r>
-          </a:p>
-          <a:p>
-            <a:r>
-              <a:rPr lang="de-AT" sz="4000" dirty="0" smtClean="0"/>
-              <a:t>JOHANNES BISHARAJOHANNES BISHARA JOHANNES BISHARAJOHANNES BISHARA JOHANNES BISHARAJOHANNES BISHARA JOHANNES BISHARAJOHANNES </a:t>
-            </a:r>
-            <a:r>
-              <a:rPr lang="de-AT" sz="4000" dirty="0" err="1" smtClean="0"/>
-              <a:t>BISHARAJOHANNES</a:t>
-            </a:r>
-            <a:r>
-              <a:rPr lang="de-AT" sz="4000" dirty="0" smtClean="0"/>
-              <a:t> </a:t>
-            </a:r>
-            <a:r>
-              <a:rPr lang="de-AT" sz="4000" dirty="0" err="1" smtClean="0"/>
-              <a:t>BISHARAJOHANNES</a:t>
-            </a:r>
-            <a:r>
-              <a:rPr lang="de-AT" sz="4000" dirty="0" smtClean="0"/>
-              <a:t> BISHARA JOHANNES BISHARAJOHANNES BISHARA JOHANNES BISHARAJOHANNES BISHARA JOHANNES BISHARAJOHANNES BISHARA JOHANNES BISHARAJOHANNES BISHARA JOHANNES BISHARAJOHANNES BISHARA JOHANNES BISHARAJOHANNES BISHARA JOHANNES BISHARAJOHANNES BISHARA </a:t>
-            </a:r>
-          </a:p>
-          <a:p>
-            <a:r>
-              <a:rPr lang="de-AT" sz="4000" dirty="0" smtClean="0"/>
-              <a:t>JOHANNES BISHARAJOHANNES BISHARA JOHANNES BISHARAJOHANNES BISHARA JOHANNES BISHARAJOHANNES BISHARA JOHANNES BISHARAJOHANNES </a:t>
-            </a:r>
-            <a:r>
-              <a:rPr lang="de-AT" sz="4000" dirty="0" err="1" smtClean="0"/>
-              <a:t>BISHARAJOHANNES</a:t>
-            </a:r>
-            <a:r>
-              <a:rPr lang="de-AT" sz="4000" dirty="0" smtClean="0"/>
-              <a:t> </a:t>
-            </a:r>
-            <a:r>
-              <a:rPr lang="de-AT" sz="4000" dirty="0" err="1" smtClean="0"/>
-              <a:t>BISHARAJOHANNES</a:t>
-            </a:r>
-            <a:r>
-              <a:rPr lang="de-AT" sz="4000" dirty="0" smtClean="0"/>
-              <a:t> BISHARA JOHANNES BISHARAJOHANNES BISHARA JOHANNES BISHARAJOHANNES BISHARA JOHANNES BISHARAJOHANNES BISHARA JOHANNES BISHARAJOHANNES BISHARA JOHANNES BISHARAJOHANNES BISHARA JOHANNES BISHARAJOHANNES BISHARA JOHANNES BISHARAJOHANNES BISHARA </a:t>
-            </a:r>
-          </a:p>
-          <a:p>
+              <a:rPr lang="de-AT" dirty="0" smtClean="0"/>
+              <a:t>Zahlungsverfahren, die nicht elektronisch erfolgen</a:t>
+            </a:r>
+          </a:p>
+          <a:p>
+            <a:pPr lvl="1"/>
+            <a:r>
+              <a:rPr lang="de-AT" dirty="0" smtClean="0"/>
+              <a:t>Barzahlung</a:t>
+            </a:r>
+          </a:p>
+          <a:p>
+            <a:pPr lvl="1"/>
+            <a:r>
+              <a:rPr lang="de-AT" dirty="0" smtClean="0"/>
+              <a:t>Nachnahme</a:t>
+            </a:r>
+          </a:p>
+          <a:p>
+            <a:pPr lvl="1"/>
+            <a:r>
+              <a:rPr lang="de-AT" dirty="0" smtClean="0"/>
+              <a:t>Überweisung</a:t>
+            </a:r>
+          </a:p>
+          <a:p>
+            <a:r>
+              <a:rPr lang="de-AT" dirty="0" smtClean="0"/>
+              <a:t>Tauschhandel</a:t>
+            </a:r>
             <a:endParaRPr lang="de-AT" dirty="0" smtClean="0"/>
           </a:p>
           <a:p>
@@ -6704,7 +7511,7 @@
     </p:spTree>
     <p:extLst>
       <p:ext uri="{BB962C8B-B14F-4D97-AF65-F5344CB8AC3E}">
-        <p14:creationId xmlns:p14="http://schemas.microsoft.com/office/powerpoint/2010/main" val="1141713831"/>
+        <p14:creationId xmlns:p14="http://schemas.microsoft.com/office/powerpoint/2010/main" xmlns="" val="1141713831"/>
       </p:ext>
     </p:extLst>
   </p:cSld>
@@ -6747,85 +7554,75 @@
           <a:lstStyle/>
           <a:p>
             <a:r>
-              <a:rPr lang="de-AT" dirty="0" smtClean="0"/>
-              <a:t>Moderne Zahlsysteme  - Abwicklung</a:t>
-            </a:r>
-            <a:endParaRPr lang="de-AT" dirty="0"/>
-          </a:p>
-        </p:txBody>
-      </p:sp>
-      <p:pic>
-        <p:nvPicPr>
-          <p:cNvPr id="4" name="Content Placeholder 3"/>
-          <p:cNvPicPr>
-            <a:picLocks noGrp="1" noChangeAspect="1"/>
-          </p:cNvPicPr>
+              <a:rPr lang="de-DE" dirty="0" smtClean="0"/>
+              <a:t>Herkömmliche Zahlsysteme - Barzahlung</a:t>
+            </a:r>
+            <a:endParaRPr lang="en-US" dirty="0"/>
+          </a:p>
+        </p:txBody>
+      </p:sp>
+      <p:sp>
+        <p:nvSpPr>
+          <p:cNvPr id="3" name="Content Placeholder 2"/>
+          <p:cNvSpPr>
+            <a:spLocks noGrp="1"/>
+          </p:cNvSpPr>
           <p:nvPr>
             <p:ph idx="1"/>
           </p:nvPr>
-        </p:nvPicPr>
-        <p:blipFill>
-          <a:blip r:embed="rId2">
-            <a:extLst>
-              <a:ext uri="{28A0092B-C50C-407E-A947-70E740481C1C}">
-                <a14:useLocalDpi xmlns:a14="http://schemas.microsoft.com/office/drawing/2010/main" val="0"/>
-              </a:ext>
-            </a:extLst>
-          </a:blip>
-          <a:stretch>
-            <a:fillRect/>
-          </a:stretch>
-        </p:blipFill>
-        <p:spPr>
-          <a:xfrm>
-            <a:off x="2592532" y="1345622"/>
-            <a:ext cx="7621732" cy="5387057"/>
-          </a:xfrm>
-        </p:spPr>
-      </p:pic>
-      <p:sp>
-        <p:nvSpPr>
-          <p:cNvPr id="5" name="TextBox 4"/>
-          <p:cNvSpPr txBox="1"/>
-          <p:nvPr/>
-        </p:nvSpPr>
-        <p:spPr>
-          <a:xfrm>
-            <a:off x="10297392" y="2649681"/>
-            <a:ext cx="1894607" cy="400110"/>
-          </a:xfrm>
-          <a:prstGeom prst="rect">
-            <a:avLst/>
-          </a:prstGeom>
-          <a:noFill/>
-        </p:spPr>
-        <p:txBody>
-          <a:bodyPr wrap="square" rtlCol="0">
-            <a:spAutoFit/>
-          </a:bodyPr>
-          <a:lstStyle/>
-          <a:p>
-            <a:r>
-              <a:rPr lang="de-AT" sz="1000" dirty="0"/>
-              <a:t>Quelle: </a:t>
-            </a:r>
-            <a:endParaRPr lang="de-AT" sz="1000" dirty="0" smtClean="0"/>
-          </a:p>
-          <a:p>
-            <a:r>
-              <a:rPr lang="de-AT" sz="1000" dirty="0" err="1" smtClean="0"/>
-              <a:t>www.ecommerce-leitfaden.de</a:t>
-            </a:r>
-            <a:endParaRPr lang="de-AT" sz="1000" dirty="0"/>
+        </p:nvSpPr>
+        <p:spPr/>
+        <p:txBody>
+          <a:bodyPr/>
+          <a:lstStyle/>
+          <a:p>
+            <a:r>
+              <a:rPr lang="de-DE" dirty="0" smtClean="0"/>
+              <a:t>Geld wird von Zentralbanken geschaffen (USA, EU)</a:t>
+            </a:r>
+            <a:br>
+              <a:rPr lang="de-DE" dirty="0" smtClean="0"/>
+            </a:br>
+            <a:endParaRPr lang="de-DE" dirty="0" smtClean="0"/>
+          </a:p>
+          <a:p>
+            <a:r>
+              <a:rPr lang="de-DE" dirty="0" smtClean="0"/>
+              <a:t>Einheitliches Tauschmittel </a:t>
+            </a:r>
+            <a:r>
+              <a:rPr lang="de-DE" b="1" dirty="0" smtClean="0"/>
+              <a:t>	Ware gegen Geld, Geld gegen Ware</a:t>
+            </a:r>
+            <a:r>
+              <a:rPr lang="de-DE" dirty="0" smtClean="0"/>
+              <a:t/>
+            </a:r>
+            <a:br>
+              <a:rPr lang="de-DE" dirty="0" smtClean="0"/>
+            </a:br>
+            <a:endParaRPr lang="de-DE" dirty="0" smtClean="0"/>
+          </a:p>
+          <a:p>
+            <a:r>
+              <a:rPr lang="de-DE" dirty="0" smtClean="0"/>
+              <a:t>Essenziell für alle anderen Zahlsysteme</a:t>
+            </a:r>
+            <a:br>
+              <a:rPr lang="de-DE" dirty="0" smtClean="0"/>
+            </a:br>
+            <a:endParaRPr lang="de-DE" dirty="0" smtClean="0"/>
+          </a:p>
+          <a:p>
+            <a:r>
+              <a:rPr lang="de-DE" dirty="0" smtClean="0"/>
+              <a:t>2 Beteiligte (Geber und Empfänger)</a:t>
+            </a:r>
+            <a:endParaRPr lang="en-US" dirty="0"/>
           </a:p>
         </p:txBody>
       </p:sp>
     </p:spTree>
-    <p:extLst>
-      <p:ext uri="{BB962C8B-B14F-4D97-AF65-F5344CB8AC3E}">
-        <p14:creationId xmlns:p14="http://schemas.microsoft.com/office/powerpoint/2010/main" val="445119213"/>
-      </p:ext>
-    </p:extLst>
   </p:cSld>
   <p:clrMapOvr>
     <a:masterClrMapping/>
@@ -6876,7 +7673,7 @@
     </a:clrScheme>
     <a:fontScheme name="Crop">
       <a:majorFont>
-        <a:latin typeface="Franklin Gothic Book" panose="020B0503020102020204"/>
+        <a:latin typeface="Franklin Gothic Book"/>
         <a:ea typeface=""/>
         <a:cs typeface=""/>
         <a:font script="Jpan" typeface="メイリオ"/>
@@ -6911,7 +7708,7 @@
         <a:font script="Geor" typeface="Sylfaen"/>
       </a:majorFont>
       <a:minorFont>
-        <a:latin typeface="Franklin Gothic Book" panose="020B0503020102020204"/>
+        <a:latin typeface="Franklin Gothic Book"/>
         <a:ea typeface=""/>
         <a:cs typeface=""/>
         <a:font script="Jpan" typeface="メイリオ"/>
@@ -7085,7 +7882,7 @@
   <a:extraClrSchemeLst/>
   <a:extLst>
     <a:ext uri="{05A4C25C-085E-4340-85A3-A5531E510DB2}">
-      <thm15:themeFamily xmlns:thm15="http://schemas.microsoft.com/office/thememl/2012/main" name="Crop" id="{EC9488ED-E761-4D60-9AC4-764D1FE2C171}" vid="{CE19780C-D67D-4C13-9DE9-A52BC3BA51B4}"/>
+      <thm15:themeFamily xmlns:thm15="http://schemas.microsoft.com/office/thememl/2012/main" xmlns="" name="Crop" id="{EC9488ED-E761-4D60-9AC4-764D1FE2C171}" vid="{CE19780C-D67D-4C13-9DE9-A52BC3BA51B4}"/>
     </a:ext>
   </a:extLst>
 </a:theme>
@@ -7134,7 +7931,7 @@
     </a:clrScheme>
     <a:fontScheme name="Office">
       <a:majorFont>
-        <a:latin typeface="Calibri Light" panose="020F0302020204030204"/>
+        <a:latin typeface="Calibri Light"/>
         <a:ea typeface=""/>
         <a:cs typeface=""/>
         <a:font script="Jpan" typeface="ＭＳ Ｐゴシック"/>
@@ -7169,7 +7966,7 @@
         <a:font script="Geor" typeface="Sylfaen"/>
       </a:majorFont>
       <a:minorFont>
-        <a:latin typeface="Calibri" panose="020F0502020204030204"/>
+        <a:latin typeface="Calibri"/>
         <a:ea typeface=""/>
         <a:cs typeface=""/>
         <a:font script="Jpan" typeface="ＭＳ Ｐゴシック"/>
@@ -7346,7 +8143,7 @@
   <a:extraClrSchemeLst/>
   <a:extLst>
     <a:ext uri="{05A4C25C-085E-4340-85A3-A5531E510DB2}">
-      <thm15:themeFamily xmlns:thm15="http://schemas.microsoft.com/office/thememl/2012/main" name="Office Theme" id="{62F939B6-93AF-4DB8-9C6B-D6C7DFDC589F}" vid="{4A3C46E8-61CC-4603-A589-7422A47A8E4A}"/>
+      <thm15:themeFamily xmlns:thm15="http://schemas.microsoft.com/office/thememl/2012/main" xmlns="" name="Office Theme" id="{62F939B6-93AF-4DB8-9C6B-D6C7DFDC589F}" vid="{4A3C46E8-61CC-4603-A589-7422A47A8E4A}"/>
     </a:ext>
   </a:extLst>
 </a:theme>

--- a/presentation/Zahlungssysteme.pptx
+++ b/presentation/Zahlungssysteme.pptx
@@ -128,7 +128,7 @@
   </p:defaultTextStyle>
   <p:extLst>
     <p:ext uri="{EFAFB233-063F-42B5-8137-9DF3F51BA10A}">
-      <p15:sldGuideLst xmlns:p15="http://schemas.microsoft.com/office/powerpoint/2012/main" xmlns=""/>
+      <p15:sldGuideLst xmlns="" xmlns:p15="http://schemas.microsoft.com/office/powerpoint/2012/main"/>
     </p:ext>
   </p:extLst>
 </p:presentation>
@@ -217,7 +217,7 @@
             <a:fld id="{53800C17-A678-4AC9-ADAB-7B7534CCF093}" type="datetimeFigureOut">
               <a:rPr lang="de-AT" smtClean="0"/>
               <a:pPr/>
-              <a:t>20.11.2017</a:t>
+              <a:t>03.12.2017</a:t>
             </a:fld>
             <a:endParaRPr lang="de-AT"/>
           </a:p>
@@ -386,7 +386,7 @@
     </p:spTree>
     <p:extLst>
       <p:ext uri="{BB962C8B-B14F-4D97-AF65-F5344CB8AC3E}">
-        <p14:creationId xmlns:p14="http://schemas.microsoft.com/office/powerpoint/2010/main" xmlns="" val="2481278178"/>
+        <p14:creationId xmlns="" xmlns:p14="http://schemas.microsoft.com/office/powerpoint/2010/main" val="2481278178"/>
       </p:ext>
     </p:extLst>
   </p:cSld>
@@ -576,7 +576,7 @@
     </p:spTree>
     <p:extLst>
       <p:ext uri="{BB962C8B-B14F-4D97-AF65-F5344CB8AC3E}">
-        <p14:creationId xmlns:p14="http://schemas.microsoft.com/office/powerpoint/2010/main" xmlns="" val="517849657"/>
+        <p14:creationId xmlns="" xmlns:p14="http://schemas.microsoft.com/office/powerpoint/2010/main" val="517849657"/>
       </p:ext>
     </p:extLst>
   </p:cSld>
@@ -774,7 +774,7 @@
     </p:spTree>
     <p:extLst>
       <p:ext uri="{BB962C8B-B14F-4D97-AF65-F5344CB8AC3E}">
-        <p14:creationId xmlns:p14="http://schemas.microsoft.com/office/powerpoint/2010/main" xmlns="" val="3568757091"/>
+        <p14:creationId xmlns="" xmlns:p14="http://schemas.microsoft.com/office/powerpoint/2010/main" val="3568757091"/>
       </p:ext>
     </p:extLst>
   </p:cSld>
@@ -1018,7 +1018,7 @@
     </p:spTree>
     <p:extLst>
       <p:ext uri="{BB962C8B-B14F-4D97-AF65-F5344CB8AC3E}">
-        <p14:creationId xmlns:p14="http://schemas.microsoft.com/office/powerpoint/2010/main" xmlns="" val="2669443679"/>
+        <p14:creationId xmlns="" xmlns:p14="http://schemas.microsoft.com/office/powerpoint/2010/main" val="2669443679"/>
       </p:ext>
     </p:extLst>
   </p:cSld>
@@ -1133,7 +1133,7 @@
     </p:spTree>
     <p:extLst>
       <p:ext uri="{BB962C8B-B14F-4D97-AF65-F5344CB8AC3E}">
-        <p14:creationId xmlns:p14="http://schemas.microsoft.com/office/powerpoint/2010/main" xmlns="" val="3591076452"/>
+        <p14:creationId xmlns="" xmlns:p14="http://schemas.microsoft.com/office/powerpoint/2010/main" val="3591076452"/>
       </p:ext>
     </p:extLst>
   </p:cSld>
@@ -1330,7 +1330,7 @@
     </p:spTree>
     <p:extLst>
       <p:ext uri="{BB962C8B-B14F-4D97-AF65-F5344CB8AC3E}">
-        <p14:creationId xmlns:p14="http://schemas.microsoft.com/office/powerpoint/2010/main" xmlns="" val="39085678"/>
+        <p14:creationId xmlns="" xmlns:p14="http://schemas.microsoft.com/office/powerpoint/2010/main" val="39085678"/>
       </p:ext>
     </p:extLst>
   </p:cSld>
@@ -1577,7 +1577,7 @@
     </p:spTree>
     <p:extLst>
       <p:ext uri="{BB962C8B-B14F-4D97-AF65-F5344CB8AC3E}">
-        <p14:creationId xmlns:p14="http://schemas.microsoft.com/office/powerpoint/2010/main" xmlns="" val="1460294994"/>
+        <p14:creationId xmlns="" xmlns:p14="http://schemas.microsoft.com/office/powerpoint/2010/main" val="1460294994"/>
       </p:ext>
     </p:extLst>
   </p:cSld>
@@ -1757,7 +1757,7 @@
             <a:fld id="{87DE6118-2437-4B30-8E3C-4D2BE6020583}" type="datetimeFigureOut">
               <a:rPr lang="en-US" dirty="0"/>
               <a:pPr/>
-              <a:t>11/20/2017</a:t>
+              <a:t>12/3/2017</a:t>
             </a:fld>
             <a:endParaRPr lang="en-US" dirty="0"/>
           </a:p>
@@ -2084,7 +2084,7 @@
             <a:fld id="{87DE6118-2437-4B30-8E3C-4D2BE6020583}" type="datetimeFigureOut">
               <a:rPr lang="en-US" dirty="0"/>
               <a:pPr/>
-              <a:t>11/20/2017</a:t>
+              <a:t>12/3/2017</a:t>
             </a:fld>
             <a:endParaRPr lang="en-US" dirty="0"/>
           </a:p>
@@ -2261,7 +2261,7 @@
             <a:fld id="{87DE6118-2437-4B30-8E3C-4D2BE6020583}" type="datetimeFigureOut">
               <a:rPr lang="en-US" dirty="0"/>
               <a:pPr/>
-              <a:t>11/20/2017</a:t>
+              <a:t>12/3/2017</a:t>
             </a:fld>
             <a:endParaRPr lang="en-US" dirty="0"/>
           </a:p>
@@ -2428,7 +2428,7 @@
             <a:fld id="{87DE6118-2437-4B30-8E3C-4D2BE6020583}" type="datetimeFigureOut">
               <a:rPr lang="en-US" dirty="0"/>
               <a:pPr/>
-              <a:t>11/20/2017</a:t>
+              <a:t>12/3/2017</a:t>
             </a:fld>
             <a:endParaRPr lang="en-US" dirty="0"/>
           </a:p>
@@ -2702,7 +2702,7 @@
             <a:fld id="{87DE6118-2437-4B30-8E3C-4D2BE6020583}" type="datetimeFigureOut">
               <a:rPr lang="en-US" dirty="0"/>
               <a:pPr/>
-              <a:t>11/20/2017</a:t>
+              <a:t>12/3/2017</a:t>
             </a:fld>
             <a:endParaRPr lang="en-US" dirty="0"/>
           </a:p>
@@ -3093,7 +3093,7 @@
             <a:fld id="{87DE6118-2437-4B30-8E3C-4D2BE6020583}" type="datetimeFigureOut">
               <a:rPr lang="en-US" dirty="0"/>
               <a:pPr/>
-              <a:t>11/20/2017</a:t>
+              <a:t>12/3/2017</a:t>
             </a:fld>
             <a:endParaRPr lang="en-US" dirty="0"/>
           </a:p>
@@ -3567,7 +3567,7 @@
             <a:fld id="{87DE6118-2437-4B30-8E3C-4D2BE6020583}" type="datetimeFigureOut">
               <a:rPr lang="en-US" dirty="0"/>
               <a:pPr/>
-              <a:t>11/20/2017</a:t>
+              <a:t>12/3/2017</a:t>
             </a:fld>
             <a:endParaRPr lang="en-US" dirty="0"/>
           </a:p>
@@ -3682,7 +3682,7 @@
             <a:fld id="{87DE6118-2437-4B30-8E3C-4D2BE6020583}" type="datetimeFigureOut">
               <a:rPr lang="en-US" dirty="0"/>
               <a:pPr/>
-              <a:t>11/20/2017</a:t>
+              <a:t>12/3/2017</a:t>
             </a:fld>
             <a:endParaRPr lang="en-US" dirty="0"/>
           </a:p>
@@ -3774,7 +3774,7 @@
             <a:fld id="{87DE6118-2437-4B30-8E3C-4D2BE6020583}" type="datetimeFigureOut">
               <a:rPr lang="en-US" dirty="0"/>
               <a:pPr/>
-              <a:t>11/20/2017</a:t>
+              <a:t>12/3/2017</a:t>
             </a:fld>
             <a:endParaRPr lang="en-US" dirty="0"/>
           </a:p>
@@ -4117,7 +4117,7 @@
             <a:fld id="{87DE6118-2437-4B30-8E3C-4D2BE6020583}" type="datetimeFigureOut">
               <a:rPr lang="en-US" dirty="0"/>
               <a:pPr/>
-              <a:t>11/20/2017</a:t>
+              <a:t>12/3/2017</a:t>
             </a:fld>
             <a:endParaRPr lang="en-US" dirty="0"/>
           </a:p>
@@ -4502,7 +4502,7 @@
             <a:fld id="{87DE6118-2437-4B30-8E3C-4D2BE6020583}" type="datetimeFigureOut">
               <a:rPr lang="en-US" dirty="0"/>
               <a:pPr/>
-              <a:t>11/20/2017</a:t>
+              <a:t>12/3/2017</a:t>
             </a:fld>
             <a:endParaRPr lang="en-US" dirty="0"/>
           </a:p>
@@ -4777,7 +4777,7 @@
             <a:fld id="{87DE6118-2437-4B30-8E3C-4D2BE6020583}" type="datetimeFigureOut">
               <a:rPr lang="en-US" dirty="0"/>
               <a:pPr/>
-              <a:t>11/20/2017</a:t>
+              <a:t>12/3/2017</a:t>
             </a:fld>
             <a:endParaRPr lang="en-US" dirty="0"/>
           </a:p>
@@ -5221,7 +5221,7 @@
   </p:txStyles>
   <p:extLst mod="1">
     <p:ext uri="{27BBF7A9-308A-43DC-89C8-2F10F3537804}">
-      <p15:sldGuideLst xmlns:p15="http://schemas.microsoft.com/office/powerpoint/2012/main" xmlns="">
+      <p15:sldGuideLst xmlns="" xmlns:p15="http://schemas.microsoft.com/office/powerpoint/2012/main">
         <p15:guide id="3" orient="horz" pos="1368">
           <p15:clr>
             <a:srgbClr val="F26B43"/>
@@ -5325,19 +5325,17 @@
           <a:p>
             <a:r>
               <a:rPr lang="de-AT" dirty="0" smtClean="0"/>
-              <a:t>Von Martin </a:t>
-            </a:r>
-            <a:r>
-              <a:rPr lang="de-AT" dirty="0" err="1" smtClean="0"/>
-              <a:t>Wölfer</a:t>
-            </a:r>
-            <a:r>
-              <a:rPr lang="de-AT" dirty="0" smtClean="0"/>
-              <a:t> &amp; Johannes </a:t>
-            </a:r>
-            <a:r>
-              <a:rPr lang="de-AT" dirty="0" err="1" smtClean="0"/>
+              <a:t>Von Martin Wölfer &amp; Johannes </a:t>
+            </a:r>
+            <a:r>
+              <a:rPr lang="de-AT" dirty="0" smtClean="0"/>
               <a:t>Bishara</a:t>
+            </a:r>
+          </a:p>
+          <a:p>
+            <a:r>
+              <a:rPr lang="de-AT" dirty="0" smtClean="0"/>
+              <a:t>SICK</a:t>
             </a:r>
             <a:endParaRPr lang="de-AT" dirty="0"/>
           </a:p>
@@ -5346,7 +5344,7 @@
     </p:spTree>
     <p:extLst>
       <p:ext uri="{BB962C8B-B14F-4D97-AF65-F5344CB8AC3E}">
-        <p14:creationId xmlns:p14="http://schemas.microsoft.com/office/powerpoint/2010/main" xmlns="" val="1556328487"/>
+        <p14:creationId xmlns="" xmlns:p14="http://schemas.microsoft.com/office/powerpoint/2010/main" val="1556328487"/>
       </p:ext>
     </p:extLst>
   </p:cSld>
@@ -5605,7 +5603,7 @@
           <a:blip r:embed="rId2">
             <a:extLst>
               <a:ext uri="{28A0092B-C50C-407E-A947-70E740481C1C}">
-                <a14:useLocalDpi xmlns:a14="http://schemas.microsoft.com/office/drawing/2010/main" xmlns="" val="0"/>
+                <a14:useLocalDpi xmlns="" xmlns:a14="http://schemas.microsoft.com/office/drawing/2010/main" val="0"/>
               </a:ext>
             </a:extLst>
           </a:blip>
@@ -5660,7 +5658,7 @@
     </p:spTree>
     <p:extLst>
       <p:ext uri="{BB962C8B-B14F-4D97-AF65-F5344CB8AC3E}">
-        <p14:creationId xmlns:p14="http://schemas.microsoft.com/office/powerpoint/2010/main" xmlns="" val="445119213"/>
+        <p14:creationId xmlns="" xmlns:p14="http://schemas.microsoft.com/office/powerpoint/2010/main" val="445119213"/>
       </p:ext>
     </p:extLst>
   </p:cSld>
@@ -5800,7 +5798,7 @@
     </p:spTree>
     <p:extLst>
       <p:ext uri="{BB962C8B-B14F-4D97-AF65-F5344CB8AC3E}">
-        <p14:creationId xmlns:p14="http://schemas.microsoft.com/office/powerpoint/2010/main" xmlns="" val="3192135544"/>
+        <p14:creationId xmlns="" xmlns:p14="http://schemas.microsoft.com/office/powerpoint/2010/main" val="3192135544"/>
       </p:ext>
     </p:extLst>
   </p:cSld>
@@ -5896,7 +5894,7 @@
     </p:spTree>
     <p:extLst>
       <p:ext uri="{BB962C8B-B14F-4D97-AF65-F5344CB8AC3E}">
-        <p14:creationId xmlns:p14="http://schemas.microsoft.com/office/powerpoint/2010/main" xmlns="" val="1563134053"/>
+        <p14:creationId xmlns="" xmlns:p14="http://schemas.microsoft.com/office/powerpoint/2010/main" val="1563134053"/>
       </p:ext>
     </p:extLst>
   </p:cSld>
@@ -6208,10 +6206,6 @@
               <a:rPr lang="de-DE" dirty="0" smtClean="0"/>
               <a:t>Kontroller gleichmäßig verteilen</a:t>
             </a:r>
-            <a:r>
-              <a:rPr lang="de-DE" dirty="0" smtClean="0"/>
-              <a:t/>
-            </a:r>
             <a:br>
               <a:rPr lang="de-DE" dirty="0" smtClean="0"/>
             </a:br>
@@ -6281,11 +6275,7 @@
           <a:p>
             <a:r>
               <a:rPr lang="de-AT" dirty="0" smtClean="0"/>
-              <a:t>Ethische </a:t>
-            </a:r>
-            <a:r>
-              <a:rPr lang="de-AT" dirty="0" smtClean="0"/>
-              <a:t>Fragestellung - Microtransactions</a:t>
+              <a:t>Ethische Fragestellung - Microtransactions</a:t>
             </a:r>
             <a:endParaRPr lang="de-AT" dirty="0"/>
           </a:p>
@@ -6308,11 +6298,7 @@
           <a:p>
             <a:r>
               <a:rPr lang="de-AT" dirty="0" smtClean="0"/>
-              <a:t>Es ist möglich in Anwendungen, besonders im Bereich der Unterhaltung, für einen geringen Betrag sogenannte In-App-Käufe zu tätigen, welche je nach Anwendung einen kleinen Vorteil gegenüber Anderen bieten. In Applikationen, welche gezielt für Kinder entwickelt werden, wird nicht auf Microtransactions verzichtet. Moderne Zahlungssysteme ermöglichen einen einfach Ablauf der Zahlung</a:t>
-            </a:r>
-            <a:r>
-              <a:rPr lang="de-AT" dirty="0" smtClean="0"/>
-              <a:t>.</a:t>
+              <a:t>Es ist möglich in Anwendungen, besonders im Bereich der Unterhaltung, für einen geringen Betrag sogenannte In-App-Käufe zu tätigen, welche je nach Anwendung einen kleinen Vorteil gegenüber Anderen bieten. In Applikationen, welche gezielt für Kinder entwickelt werden, wird nicht auf Microtransactions verzichtet. Moderne Zahlungssysteme ermöglichen einen einfach Ablauf der Zahlung.</a:t>
             </a:r>
             <a:r>
               <a:rPr lang="de-AT" dirty="0"/>
@@ -6334,7 +6320,7 @@
     </p:spTree>
     <p:extLst>
       <p:ext uri="{BB962C8B-B14F-4D97-AF65-F5344CB8AC3E}">
-        <p14:creationId xmlns:p14="http://schemas.microsoft.com/office/powerpoint/2010/main" xmlns="" val="58107365"/>
+        <p14:creationId xmlns="" xmlns:p14="http://schemas.microsoft.com/office/powerpoint/2010/main" val="58107365"/>
       </p:ext>
     </p:extLst>
   </p:cSld>
@@ -6378,11 +6364,7 @@
           <a:p>
             <a:r>
               <a:rPr lang="de-AT" dirty="0" smtClean="0"/>
-              <a:t>Ethische Fragestellungen </a:t>
-            </a:r>
-            <a:r>
-              <a:rPr lang="de-AT" dirty="0" smtClean="0"/>
-              <a:t>- Anonymität</a:t>
+              <a:t>Ethische Fragestellungen - Anonymität</a:t>
             </a:r>
             <a:endParaRPr lang="en-US" dirty="0"/>
           </a:p>
@@ -6405,11 +6387,7 @@
           <a:p>
             <a:r>
               <a:rPr lang="de-AT" dirty="0" smtClean="0"/>
-              <a:t>Es ist möglich über das Internet mithilfe von Kryptowährungen komplett anonym Geschäfte abzuwickeln. Diese Zahlungen sind erst 2 Jahre nach der Transaktion nachverfolgbar</a:t>
-            </a:r>
-            <a:r>
-              <a:rPr lang="de-AT" dirty="0" smtClean="0"/>
-              <a:t>.</a:t>
+              <a:t>Es ist möglich über das Internet mithilfe von Kryptowährungen komplett anonym Geschäfte abzuwickeln. Diese Zahlungen sind erst 2 Jahre nach der Transaktion nachverfolgbar.</a:t>
             </a:r>
             <a:br>
               <a:rPr lang="de-AT" dirty="0" smtClean="0"/>
@@ -6419,13 +6397,8 @@
           <a:p>
             <a:r>
               <a:rPr lang="de-AT" dirty="0" smtClean="0"/>
-              <a:t>Sollte man anonymisierte Kryptowährungen verbieten um illegalen Bestellungen nachgehen zu können</a:t>
-            </a:r>
-            <a:r>
-              <a:rPr lang="de-AT" dirty="0" smtClean="0"/>
-              <a:t>?</a:t>
-            </a:r>
-            <a:endParaRPr lang="de-AT" dirty="0" smtClean="0"/>
+              <a:t>Sollte man anonymisierte Kryptowährungen verbieten um illegalen Bestellungen nachgehen zu können?</a:t>
+            </a:r>
           </a:p>
         </p:txBody>
       </p:sp>
@@ -6587,7 +6560,7 @@
     </p:spTree>
     <p:extLst>
       <p:ext uri="{BB962C8B-B14F-4D97-AF65-F5344CB8AC3E}">
-        <p14:creationId xmlns:p14="http://schemas.microsoft.com/office/powerpoint/2010/main" xmlns="" val="1961828097"/>
+        <p14:creationId xmlns="" xmlns:p14="http://schemas.microsoft.com/office/powerpoint/2010/main" val="1961828097"/>
       </p:ext>
     </p:extLst>
   </p:cSld>
@@ -6631,11 +6604,7 @@
           <a:p>
             <a:r>
               <a:rPr lang="de-AT" dirty="0" smtClean="0"/>
-              <a:t>Ethische Fragestellungen </a:t>
-            </a:r>
-            <a:r>
-              <a:rPr lang="de-AT" dirty="0" smtClean="0"/>
-              <a:t>– Unreguliertes Zahlungssystem</a:t>
+              <a:t>Ethische Fragestellungen – Unreguliertes Zahlungssystem</a:t>
             </a:r>
             <a:endParaRPr lang="en-US" dirty="0"/>
           </a:p>
@@ -6658,11 +6627,7 @@
           <a:p>
             <a:r>
               <a:rPr lang="de-AT" dirty="0" smtClean="0"/>
-              <a:t>Kryptowährungen bauen ein unabhängig und vom Finanzsystem unreguliertes Zahlungssystem auf, welches nicht den staatlichen Regeln entspricht</a:t>
-            </a:r>
-            <a:r>
-              <a:rPr lang="de-AT" dirty="0" smtClean="0"/>
-              <a:t>.</a:t>
+              <a:t>Kryptowährungen bauen ein unabhängig und vom Finanzsystem unreguliertes Zahlungssystem auf, welches nicht den staatlichen Regeln entspricht.</a:t>
             </a:r>
             <a:r>
               <a:rPr lang="en-US" dirty="0" smtClean="0"/>
@@ -6680,13 +6645,8 @@
             </a:r>
             <a:r>
               <a:rPr lang="de-AT" smtClean="0"/>
-              <a:t>schaden</a:t>
-            </a:r>
-            <a:r>
-              <a:rPr lang="de-AT" smtClean="0"/>
-              <a:t>?</a:t>
-            </a:r>
-            <a:endParaRPr lang="de-AT" smtClean="0"/>
+              <a:t>schaden?</a:t>
+            </a:r>
           </a:p>
         </p:txBody>
       </p:sp>
@@ -6801,7 +6761,7 @@
     </p:spTree>
     <p:extLst>
       <p:ext uri="{BB962C8B-B14F-4D97-AF65-F5344CB8AC3E}">
-        <p14:creationId xmlns:p14="http://schemas.microsoft.com/office/powerpoint/2010/main" xmlns="" val="3253564952"/>
+        <p14:creationId xmlns="" xmlns:p14="http://schemas.microsoft.com/office/powerpoint/2010/main" val="3253564952"/>
       </p:ext>
     </p:extLst>
   </p:cSld>
@@ -6972,7 +6932,7 @@
     </p:spTree>
     <p:extLst>
       <p:ext uri="{BB962C8B-B14F-4D97-AF65-F5344CB8AC3E}">
-        <p14:creationId xmlns:p14="http://schemas.microsoft.com/office/powerpoint/2010/main" xmlns="" val="405770618"/>
+        <p14:creationId xmlns="" xmlns:p14="http://schemas.microsoft.com/office/powerpoint/2010/main" val="405770618"/>
       </p:ext>
     </p:extLst>
   </p:cSld>
@@ -7155,7 +7115,7 @@
     </p:spTree>
     <p:extLst>
       <p:ext uri="{BB962C8B-B14F-4D97-AF65-F5344CB8AC3E}">
-        <p14:creationId xmlns:p14="http://schemas.microsoft.com/office/powerpoint/2010/main" xmlns="" val="2103904183"/>
+        <p14:creationId xmlns="" xmlns:p14="http://schemas.microsoft.com/office/powerpoint/2010/main" val="2103904183"/>
       </p:ext>
     </p:extLst>
   </p:cSld>
@@ -7281,7 +7241,7 @@
     </p:spTree>
     <p:extLst>
       <p:ext uri="{BB962C8B-B14F-4D97-AF65-F5344CB8AC3E}">
-        <p14:creationId xmlns:p14="http://schemas.microsoft.com/office/powerpoint/2010/main" xmlns="" val="3886553994"/>
+        <p14:creationId xmlns="" xmlns:p14="http://schemas.microsoft.com/office/powerpoint/2010/main" val="3886553994"/>
       </p:ext>
     </p:extLst>
   </p:cSld>
@@ -7390,7 +7350,7 @@
     </p:spTree>
     <p:extLst>
       <p:ext uri="{BB962C8B-B14F-4D97-AF65-F5344CB8AC3E}">
-        <p14:creationId xmlns:p14="http://schemas.microsoft.com/office/powerpoint/2010/main" xmlns="" val="1362818243"/>
+        <p14:creationId xmlns="" xmlns:p14="http://schemas.microsoft.com/office/powerpoint/2010/main" val="1362818243"/>
       </p:ext>
     </p:extLst>
   </p:cSld>
@@ -7434,11 +7394,7 @@
           <a:p>
             <a:r>
               <a:rPr lang="de-AT" dirty="0" smtClean="0"/>
-              <a:t>Herkömmliche </a:t>
-            </a:r>
-            <a:r>
-              <a:rPr lang="de-AT" dirty="0" smtClean="0"/>
-              <a:t>Zahlsysteme - Definition</a:t>
+              <a:t>Herkömmliche Zahlsysteme - Definition</a:t>
             </a:r>
             <a:endParaRPr lang="de-AT" dirty="0"/>
           </a:p>
@@ -7492,7 +7448,6 @@
               <a:rPr lang="de-AT" dirty="0" smtClean="0"/>
               <a:t>Tauschhandel</a:t>
             </a:r>
-            <a:endParaRPr lang="de-AT" dirty="0" smtClean="0"/>
           </a:p>
           <a:p>
             <a:pPr marL="0" indent="0">
@@ -7511,7 +7466,7 @@
     </p:spTree>
     <p:extLst>
       <p:ext uri="{BB962C8B-B14F-4D97-AF65-F5344CB8AC3E}">
-        <p14:creationId xmlns:p14="http://schemas.microsoft.com/office/powerpoint/2010/main" xmlns="" val="1141713831"/>
+        <p14:creationId xmlns="" xmlns:p14="http://schemas.microsoft.com/office/powerpoint/2010/main" val="1141713831"/>
       </p:ext>
     </p:extLst>
   </p:cSld>
@@ -7882,7 +7837,7 @@
   <a:extraClrSchemeLst/>
   <a:extLst>
     <a:ext uri="{05A4C25C-085E-4340-85A3-A5531E510DB2}">
-      <thm15:themeFamily xmlns:thm15="http://schemas.microsoft.com/office/thememl/2012/main" xmlns="" name="Crop" id="{EC9488ED-E761-4D60-9AC4-764D1FE2C171}" vid="{CE19780C-D67D-4C13-9DE9-A52BC3BA51B4}"/>
+      <thm15:themeFamily xmlns="" xmlns:thm15="http://schemas.microsoft.com/office/thememl/2012/main" name="Crop" id="{EC9488ED-E761-4D60-9AC4-764D1FE2C171}" vid="{CE19780C-D67D-4C13-9DE9-A52BC3BA51B4}"/>
     </a:ext>
   </a:extLst>
 </a:theme>
@@ -8143,7 +8098,7 @@
   <a:extraClrSchemeLst/>
   <a:extLst>
     <a:ext uri="{05A4C25C-085E-4340-85A3-A5531E510DB2}">
-      <thm15:themeFamily xmlns:thm15="http://schemas.microsoft.com/office/thememl/2012/main" xmlns="" name="Office Theme" id="{62F939B6-93AF-4DB8-9C6B-D6C7DFDC589F}" vid="{4A3C46E8-61CC-4603-A589-7422A47A8E4A}"/>
+      <thm15:themeFamily xmlns="" xmlns:thm15="http://schemas.microsoft.com/office/thememl/2012/main" name="Office Theme" id="{62F939B6-93AF-4DB8-9C6B-D6C7DFDC589F}" vid="{4A3C46E8-61CC-4603-A589-7422A47A8E4A}"/>
     </a:ext>
   </a:extLst>
 </a:theme>
